--- a/PPT Crypto Trend Group Project.pptx
+++ b/PPT Crypto Trend Group Project.pptx
@@ -5,7 +5,7 @@
     <p:sldMasterId id="2147483684" r:id="rId1"/>
   </p:sldMasterIdLst>
   <p:notesMasterIdLst>
-    <p:notesMasterId r:id="rId12"/>
+    <p:notesMasterId r:id="rId14"/>
   </p:notesMasterIdLst>
   <p:sldIdLst>
     <p:sldId id="256" r:id="rId2"/>
@@ -16,8 +16,10 @@
     <p:sldId id="264" r:id="rId7"/>
     <p:sldId id="269" r:id="rId8"/>
     <p:sldId id="266" r:id="rId9"/>
-    <p:sldId id="262" r:id="rId10"/>
-    <p:sldId id="263" r:id="rId11"/>
+    <p:sldId id="270" r:id="rId10"/>
+    <p:sldId id="271" r:id="rId11"/>
+    <p:sldId id="262" r:id="rId12"/>
+    <p:sldId id="263" r:id="rId13"/>
   </p:sldIdLst>
   <p:sldSz cx="12192000" cy="6858000"/>
   <p:notesSz cx="6858000" cy="9144000"/>
@@ -214,7 +216,7 @@
           <a:p>
             <a:fld id="{9B2DC237-6B10-4A3D-BEE7-009F20B77F10}" type="datetimeFigureOut">
               <a:rPr lang="en-US" smtClean="0"/>
-              <a:t>11/4/2021</a:t>
+              <a:t>11/6/2021</a:t>
             </a:fld>
             <a:endParaRPr lang="en-US"/>
           </a:p>
@@ -568,6 +570,93 @@
 </p:notes>
 </file>
 
+<file path=ppt/notesSlides/notesSlide10.xml><?xml version="1.0" encoding="utf-8"?>
+<p:notes xmlns:a="http://schemas.openxmlformats.org/drawingml/2006/main" xmlns:r="http://schemas.openxmlformats.org/officeDocument/2006/relationships" xmlns:p="http://schemas.openxmlformats.org/presentationml/2006/main">
+  <p:cSld>
+    <p:spTree>
+      <p:nvGrpSpPr>
+        <p:cNvPr id="1" name=""/>
+        <p:cNvGrpSpPr/>
+        <p:nvPr/>
+      </p:nvGrpSpPr>
+      <p:grpSpPr>
+        <a:xfrm>
+          <a:off x="0" y="0"/>
+          <a:ext cx="0" cy="0"/>
+          <a:chOff x="0" y="0"/>
+          <a:chExt cx="0" cy="0"/>
+        </a:xfrm>
+      </p:grpSpPr>
+      <p:sp>
+        <p:nvSpPr>
+          <p:cNvPr id="2" name="Slide Image Placeholder 1"/>
+          <p:cNvSpPr>
+            <a:spLocks noGrp="1" noRot="1" noChangeAspect="1"/>
+          </p:cNvSpPr>
+          <p:nvPr>
+            <p:ph type="sldImg"/>
+          </p:nvPr>
+        </p:nvSpPr>
+        <p:spPr/>
+      </p:sp>
+      <p:sp>
+        <p:nvSpPr>
+          <p:cNvPr id="3" name="Notes Placeholder 2"/>
+          <p:cNvSpPr>
+            <a:spLocks noGrp="1"/>
+          </p:cNvSpPr>
+          <p:nvPr>
+            <p:ph type="body" idx="1"/>
+          </p:nvPr>
+        </p:nvSpPr>
+        <p:spPr/>
+        <p:txBody>
+          <a:bodyPr/>
+          <a:lstStyle/>
+          <a:p>
+            <a:r>
+              <a:rPr lang="en-US" dirty="0"/>
+              <a:t>Charlotte - closure</a:t>
+            </a:r>
+          </a:p>
+        </p:txBody>
+      </p:sp>
+      <p:sp>
+        <p:nvSpPr>
+          <p:cNvPr id="4" name="Slide Number Placeholder 3"/>
+          <p:cNvSpPr>
+            <a:spLocks noGrp="1"/>
+          </p:cNvSpPr>
+          <p:nvPr>
+            <p:ph type="sldNum" sz="quarter" idx="5"/>
+          </p:nvPr>
+        </p:nvSpPr>
+        <p:spPr/>
+        <p:txBody>
+          <a:bodyPr/>
+          <a:lstStyle/>
+          <a:p>
+            <a:fld id="{24F6410C-654B-48F3-A180-15572EDD29C5}" type="slidenum">
+              <a:rPr lang="en-US" smtClean="0"/>
+              <a:t>11</a:t>
+            </a:fld>
+            <a:endParaRPr lang="en-US"/>
+          </a:p>
+        </p:txBody>
+      </p:sp>
+    </p:spTree>
+    <p:extLst>
+      <p:ext uri="{BB962C8B-B14F-4D97-AF65-F5344CB8AC3E}">
+        <p14:creationId xmlns:p14="http://schemas.microsoft.com/office/powerpoint/2010/main" val="1376089851"/>
+      </p:ext>
+    </p:extLst>
+  </p:cSld>
+  <p:clrMapOvr>
+    <a:masterClrMapping/>
+  </p:clrMapOvr>
+</p:notes>
+</file>
+
 <file path=ppt/notesSlides/notesSlide2.xml><?xml version="1.0" encoding="utf-8"?>
 <p:notes xmlns:a="http://schemas.openxmlformats.org/drawingml/2006/main" xmlns:r="http://schemas.openxmlformats.org/officeDocument/2006/relationships" xmlns:p="http://schemas.openxmlformats.org/presentationml/2006/main">
   <p:cSld>
@@ -611,6 +700,15 @@
         <p:txBody>
           <a:bodyPr/>
           <a:lstStyle/>
+          <a:p>
+            <a:pPr marL="0" indent="0">
+              <a:buNone/>
+            </a:pPr>
+            <a:r>
+              <a:rPr lang="en" sz="1200" u="none" dirty="0"/>
+              <a:t>Charlotte - opening</a:t>
+            </a:r>
+          </a:p>
           <a:p>
             <a:pPr marL="0" indent="0">
               <a:buNone/>
@@ -745,28 +843,13 @@
           <a:lstStyle/>
           <a:p>
             <a:r>
+              <a:rPr lang="en-US" dirty="0" err="1"/>
+              <a:t>Junki</a:t>
+            </a:r>
+            <a:r>
               <a:rPr lang="en-US" dirty="0"/>
-              <a:t>These countries, and regional areas are being incentivized from an economic perspective to house and run these massive data mining centers (as with the case in Iceland, this business represents 1% of their GDP), but it’s to the detriment of their own microclimates. As, these data centers now account for more electricity use than all of Iceland’s homes combined.</a:t>
-            </a:r>
-          </a:p>
-          <a:p>
-            <a:r>
-              <a:rPr lang="en-US" dirty="0"/>
-              <a:t>According to local experts cited by </a:t>
-            </a:r>
-            <a:r>
-              <a:rPr lang="en-US" i="1" u="sng" dirty="0">
-                <a:hlinkClick r:id="rId3"/>
-              </a:rPr>
-              <a:t>The Wall Street Journal</a:t>
-            </a:r>
-            <a:r>
-              <a:rPr lang="en-US" dirty="0"/>
-              <a:t>, keeping up with demand for electricity requires building more dams and power stations that could alter Iceland’s unique, sensitive environment.</a:t>
-            </a:r>
-          </a:p>
-          <a:p>
-            <a:endParaRPr lang="en-US" dirty="0"/>
+              <a:t> to present NVDA</a:t>
+            </a:r>
           </a:p>
         </p:txBody>
       </p:sp>
@@ -787,7 +870,7 @@
           <a:p>
             <a:fld id="{24F6410C-654B-48F3-A180-15572EDD29C5}" type="slidenum">
               <a:rPr lang="en-US" smtClean="0"/>
-              <a:t>6</a:t>
+              <a:t>3</a:t>
             </a:fld>
             <a:endParaRPr lang="en-US"/>
           </a:p>
@@ -796,7 +879,7 @@
     </p:spTree>
     <p:extLst>
       <p:ext uri="{BB962C8B-B14F-4D97-AF65-F5344CB8AC3E}">
-        <p14:creationId xmlns:p14="http://schemas.microsoft.com/office/powerpoint/2010/main" val="860251499"/>
+        <p14:creationId xmlns:p14="http://schemas.microsoft.com/office/powerpoint/2010/main" val="2061993345"/>
       </p:ext>
     </p:extLst>
   </p:cSld>
@@ -850,6 +933,208 @@
           <a:bodyPr/>
           <a:lstStyle/>
           <a:p>
+            <a:endParaRPr lang="en-US" dirty="0"/>
+          </a:p>
+        </p:txBody>
+      </p:sp>
+      <p:sp>
+        <p:nvSpPr>
+          <p:cNvPr id="4" name="Slide Number Placeholder 3"/>
+          <p:cNvSpPr>
+            <a:spLocks noGrp="1"/>
+          </p:cNvSpPr>
+          <p:nvPr>
+            <p:ph type="sldNum" sz="quarter" idx="5"/>
+          </p:nvPr>
+        </p:nvSpPr>
+        <p:spPr/>
+        <p:txBody>
+          <a:bodyPr/>
+          <a:lstStyle/>
+          <a:p>
+            <a:fld id="{24F6410C-654B-48F3-A180-15572EDD29C5}" type="slidenum">
+              <a:rPr lang="en-US" smtClean="0"/>
+              <a:t>4</a:t>
+            </a:fld>
+            <a:endParaRPr lang="en-US"/>
+          </a:p>
+        </p:txBody>
+      </p:sp>
+    </p:spTree>
+    <p:extLst>
+      <p:ext uri="{BB962C8B-B14F-4D97-AF65-F5344CB8AC3E}">
+        <p14:creationId xmlns:p14="http://schemas.microsoft.com/office/powerpoint/2010/main" val="3797003272"/>
+      </p:ext>
+    </p:extLst>
+  </p:cSld>
+  <p:clrMapOvr>
+    <a:masterClrMapping/>
+  </p:clrMapOvr>
+</p:notes>
+</file>
+
+<file path=ppt/notesSlides/notesSlide5.xml><?xml version="1.0" encoding="utf-8"?>
+<p:notes xmlns:a="http://schemas.openxmlformats.org/drawingml/2006/main" xmlns:r="http://schemas.openxmlformats.org/officeDocument/2006/relationships" xmlns:p="http://schemas.openxmlformats.org/presentationml/2006/main">
+  <p:cSld>
+    <p:spTree>
+      <p:nvGrpSpPr>
+        <p:cNvPr id="1" name=""/>
+        <p:cNvGrpSpPr/>
+        <p:nvPr/>
+      </p:nvGrpSpPr>
+      <p:grpSpPr>
+        <a:xfrm>
+          <a:off x="0" y="0"/>
+          <a:ext cx="0" cy="0"/>
+          <a:chOff x="0" y="0"/>
+          <a:chExt cx="0" cy="0"/>
+        </a:xfrm>
+      </p:grpSpPr>
+      <p:sp>
+        <p:nvSpPr>
+          <p:cNvPr id="2" name="Slide Image Placeholder 1"/>
+          <p:cNvSpPr>
+            <a:spLocks noGrp="1" noRot="1" noChangeAspect="1"/>
+          </p:cNvSpPr>
+          <p:nvPr>
+            <p:ph type="sldImg"/>
+          </p:nvPr>
+        </p:nvSpPr>
+        <p:spPr/>
+      </p:sp>
+      <p:sp>
+        <p:nvSpPr>
+          <p:cNvPr id="3" name="Notes Placeholder 2"/>
+          <p:cNvSpPr>
+            <a:spLocks noGrp="1"/>
+          </p:cNvSpPr>
+          <p:nvPr>
+            <p:ph type="body" idx="1"/>
+          </p:nvPr>
+        </p:nvSpPr>
+        <p:spPr/>
+        <p:txBody>
+          <a:bodyPr/>
+          <a:lstStyle/>
+          <a:p>
+            <a:r>
+              <a:rPr lang="en-US" dirty="0"/>
+              <a:t>Brandie / Charlotte to present</a:t>
+            </a:r>
+          </a:p>
+          <a:p>
+            <a:r>
+              <a:rPr lang="en-US" dirty="0"/>
+              <a:t>These countries, and regional areas are being incentivized from an economic perspective to house and run these massive data mining centers (as with the case in Iceland, this business represents 1% of their GDP), but it’s to the detriment of their own microclimates. As, these data centers now account for more electricity use than all of Iceland’s homes combined.</a:t>
+            </a:r>
+          </a:p>
+          <a:p>
+            <a:r>
+              <a:rPr lang="en-US" dirty="0"/>
+              <a:t>According to local experts cited by </a:t>
+            </a:r>
+            <a:r>
+              <a:rPr lang="en-US" i="1" u="sng" dirty="0">
+                <a:hlinkClick r:id="rId3"/>
+              </a:rPr>
+              <a:t>The Wall Street Journal</a:t>
+            </a:r>
+            <a:r>
+              <a:rPr lang="en-US" dirty="0"/>
+              <a:t>, keeping up with demand for electricity requires building more dams and power stations that could alter Iceland’s unique, sensitive environment.</a:t>
+            </a:r>
+          </a:p>
+          <a:p>
+            <a:endParaRPr lang="en-US" dirty="0"/>
+          </a:p>
+        </p:txBody>
+      </p:sp>
+      <p:sp>
+        <p:nvSpPr>
+          <p:cNvPr id="4" name="Slide Number Placeholder 3"/>
+          <p:cNvSpPr>
+            <a:spLocks noGrp="1"/>
+          </p:cNvSpPr>
+          <p:nvPr>
+            <p:ph type="sldNum" sz="quarter" idx="5"/>
+          </p:nvPr>
+        </p:nvSpPr>
+        <p:spPr/>
+        <p:txBody>
+          <a:bodyPr/>
+          <a:lstStyle/>
+          <a:p>
+            <a:fld id="{24F6410C-654B-48F3-A180-15572EDD29C5}" type="slidenum">
+              <a:rPr lang="en-US" smtClean="0"/>
+              <a:t>6</a:t>
+            </a:fld>
+            <a:endParaRPr lang="en-US"/>
+          </a:p>
+        </p:txBody>
+      </p:sp>
+    </p:spTree>
+    <p:extLst>
+      <p:ext uri="{BB962C8B-B14F-4D97-AF65-F5344CB8AC3E}">
+        <p14:creationId xmlns:p14="http://schemas.microsoft.com/office/powerpoint/2010/main" val="860251499"/>
+      </p:ext>
+    </p:extLst>
+  </p:cSld>
+  <p:clrMapOvr>
+    <a:masterClrMapping/>
+  </p:clrMapOvr>
+</p:notes>
+</file>
+
+<file path=ppt/notesSlides/notesSlide6.xml><?xml version="1.0" encoding="utf-8"?>
+<p:notes xmlns:a="http://schemas.openxmlformats.org/drawingml/2006/main" xmlns:r="http://schemas.openxmlformats.org/officeDocument/2006/relationships" xmlns:p="http://schemas.openxmlformats.org/presentationml/2006/main">
+  <p:cSld>
+    <p:spTree>
+      <p:nvGrpSpPr>
+        <p:cNvPr id="1" name=""/>
+        <p:cNvGrpSpPr/>
+        <p:nvPr/>
+      </p:nvGrpSpPr>
+      <p:grpSpPr>
+        <a:xfrm>
+          <a:off x="0" y="0"/>
+          <a:ext cx="0" cy="0"/>
+          <a:chOff x="0" y="0"/>
+          <a:chExt cx="0" cy="0"/>
+        </a:xfrm>
+      </p:grpSpPr>
+      <p:sp>
+        <p:nvSpPr>
+          <p:cNvPr id="2" name="Slide Image Placeholder 1"/>
+          <p:cNvSpPr>
+            <a:spLocks noGrp="1" noRot="1" noChangeAspect="1"/>
+          </p:cNvSpPr>
+          <p:nvPr>
+            <p:ph type="sldImg"/>
+          </p:nvPr>
+        </p:nvSpPr>
+        <p:spPr/>
+      </p:sp>
+      <p:sp>
+        <p:nvSpPr>
+          <p:cNvPr id="3" name="Notes Placeholder 2"/>
+          <p:cNvSpPr>
+            <a:spLocks noGrp="1"/>
+          </p:cNvSpPr>
+          <p:nvPr>
+            <p:ph type="body" idx="1"/>
+          </p:nvPr>
+        </p:nvSpPr>
+        <p:spPr/>
+        <p:txBody>
+          <a:bodyPr/>
+          <a:lstStyle/>
+          <a:p>
+            <a:r>
+              <a:rPr lang="en-US" dirty="0"/>
+              <a:t>Charlotte closing</a:t>
+            </a:r>
+          </a:p>
+          <a:p>
             <a:r>
               <a:rPr lang="en-US" dirty="0"/>
               <a:t>These countries, and regional areas are being incentivized from an economic perspective to house and run these massive data mining centers (as with the case in Iceland, this business represents 1% of their GDP), but it’s to the detriment of their own microclimates. As, these data centers now account for more electricity use than all of Iceland’s homes combined.</a:t>
@@ -903,6 +1188,367 @@
     <p:extLst>
       <p:ext uri="{BB962C8B-B14F-4D97-AF65-F5344CB8AC3E}">
         <p14:creationId xmlns:p14="http://schemas.microsoft.com/office/powerpoint/2010/main" val="442311012"/>
+      </p:ext>
+    </p:extLst>
+  </p:cSld>
+  <p:clrMapOvr>
+    <a:masterClrMapping/>
+  </p:clrMapOvr>
+</p:notes>
+</file>
+
+<file path=ppt/notesSlides/notesSlide7.xml><?xml version="1.0" encoding="utf-8"?>
+<p:notes xmlns:a="http://schemas.openxmlformats.org/drawingml/2006/main" xmlns:r="http://schemas.openxmlformats.org/officeDocument/2006/relationships" xmlns:p="http://schemas.openxmlformats.org/presentationml/2006/main">
+  <p:cSld>
+    <p:spTree>
+      <p:nvGrpSpPr>
+        <p:cNvPr id="1" name=""/>
+        <p:cNvGrpSpPr/>
+        <p:nvPr/>
+      </p:nvGrpSpPr>
+      <p:grpSpPr>
+        <a:xfrm>
+          <a:off x="0" y="0"/>
+          <a:ext cx="0" cy="0"/>
+          <a:chOff x="0" y="0"/>
+          <a:chExt cx="0" cy="0"/>
+        </a:xfrm>
+      </p:grpSpPr>
+      <p:sp>
+        <p:nvSpPr>
+          <p:cNvPr id="2" name="Slide Image Placeholder 1"/>
+          <p:cNvSpPr>
+            <a:spLocks noGrp="1" noRot="1" noChangeAspect="1"/>
+          </p:cNvSpPr>
+          <p:nvPr>
+            <p:ph type="sldImg"/>
+          </p:nvPr>
+        </p:nvSpPr>
+        <p:spPr/>
+      </p:sp>
+      <p:sp>
+        <p:nvSpPr>
+          <p:cNvPr id="3" name="Notes Placeholder 2"/>
+          <p:cNvSpPr>
+            <a:spLocks noGrp="1"/>
+          </p:cNvSpPr>
+          <p:nvPr>
+            <p:ph type="body" idx="1"/>
+          </p:nvPr>
+        </p:nvSpPr>
+        <p:spPr/>
+        <p:txBody>
+          <a:bodyPr/>
+          <a:lstStyle/>
+          <a:p>
+            <a:r>
+              <a:rPr lang="en-US" dirty="0"/>
+              <a:t>Jong to present</a:t>
+            </a:r>
+          </a:p>
+          <a:p>
+            <a:pPr algn="l"/>
+            <a:r>
+              <a:rPr lang="en-US" b="0" i="0" dirty="0">
+                <a:solidFill>
+                  <a:srgbClr val="BDC1C6"/>
+                </a:solidFill>
+                <a:effectLst/>
+                <a:latin typeface="Roboto" panose="02000000000000000000" pitchFamily="2" charset="0"/>
+              </a:rPr>
+              <a:t>What is the relationship between oil price and gold price?</a:t>
+            </a:r>
+          </a:p>
+          <a:p>
+            <a:pPr algn="l"/>
+            <a:r>
+              <a:rPr lang="en-US" b="0" i="0" dirty="0">
+                <a:solidFill>
+                  <a:srgbClr val="BDC1C6"/>
+                </a:solidFill>
+                <a:effectLst/>
+                <a:latin typeface="Roboto" panose="02000000000000000000" pitchFamily="2" charset="0"/>
+              </a:rPr>
+              <a:t>There's an interesting relationship between gold and oil prices. According to Market Realist, which provides institutional-quality market research, more than 60% of the time, </a:t>
+            </a:r>
+            <a:r>
+              <a:rPr lang="en-US" b="1" i="0" dirty="0">
+                <a:solidFill>
+                  <a:srgbClr val="BDC1C6"/>
+                </a:solidFill>
+                <a:effectLst/>
+                <a:latin typeface="Roboto" panose="02000000000000000000" pitchFamily="2" charset="0"/>
+              </a:rPr>
+              <a:t>gold and crude oil have a direct relationship</a:t>
+            </a:r>
+            <a:r>
+              <a:rPr lang="en-US" b="0" i="0" dirty="0">
+                <a:solidFill>
+                  <a:srgbClr val="BDC1C6"/>
+                </a:solidFill>
+                <a:effectLst/>
+                <a:latin typeface="Roboto" panose="02000000000000000000" pitchFamily="2" charset="0"/>
+              </a:rPr>
+              <a:t>. This means that when gold prices rise, crude oil prices also tend to rise, and vice versa.</a:t>
+            </a:r>
+          </a:p>
+          <a:p>
+            <a:pPr algn="l"/>
+            <a:r>
+              <a:rPr lang="en-US" b="0" i="0" dirty="0">
+                <a:solidFill>
+                  <a:srgbClr val="BDC1C6"/>
+                </a:solidFill>
+                <a:effectLst/>
+                <a:latin typeface="Roboto" panose="02000000000000000000" pitchFamily="2" charset="0"/>
+              </a:rPr>
+              <a:t>Resources : </a:t>
+            </a:r>
+            <a:r>
+              <a:rPr lang="en-US" dirty="0">
+                <a:hlinkClick r:id="rId3"/>
+              </a:rPr>
+              <a:t>Relationship Between Gold and Oil Prices: Why There’s a Big Disconnection in 2020 (yahoo.com)</a:t>
+            </a:r>
+            <a:endParaRPr lang="en-US" b="0" i="0" dirty="0">
+              <a:solidFill>
+                <a:srgbClr val="BDC1C6"/>
+              </a:solidFill>
+              <a:effectLst/>
+              <a:latin typeface="Roboto" panose="02000000000000000000" pitchFamily="2" charset="0"/>
+            </a:endParaRPr>
+          </a:p>
+          <a:p>
+            <a:pPr algn="l"/>
+            <a:endParaRPr lang="en-US" b="0" i="0" dirty="0">
+              <a:solidFill>
+                <a:srgbClr val="BDC1C6"/>
+              </a:solidFill>
+              <a:effectLst/>
+              <a:latin typeface="Roboto" panose="02000000000000000000" pitchFamily="2" charset="0"/>
+            </a:endParaRPr>
+          </a:p>
+          <a:p>
+            <a:endParaRPr lang="en-US" dirty="0"/>
+          </a:p>
+        </p:txBody>
+      </p:sp>
+      <p:sp>
+        <p:nvSpPr>
+          <p:cNvPr id="4" name="Slide Number Placeholder 3"/>
+          <p:cNvSpPr>
+            <a:spLocks noGrp="1"/>
+          </p:cNvSpPr>
+          <p:nvPr>
+            <p:ph type="sldNum" sz="quarter" idx="5"/>
+          </p:nvPr>
+        </p:nvSpPr>
+        <p:spPr/>
+        <p:txBody>
+          <a:bodyPr/>
+          <a:lstStyle/>
+          <a:p>
+            <a:fld id="{24F6410C-654B-48F3-A180-15572EDD29C5}" type="slidenum">
+              <a:rPr lang="en-US" smtClean="0"/>
+              <a:t>8</a:t>
+            </a:fld>
+            <a:endParaRPr lang="en-US"/>
+          </a:p>
+        </p:txBody>
+      </p:sp>
+    </p:spTree>
+    <p:extLst>
+      <p:ext uri="{BB962C8B-B14F-4D97-AF65-F5344CB8AC3E}">
+        <p14:creationId xmlns:p14="http://schemas.microsoft.com/office/powerpoint/2010/main" val="1406848393"/>
+      </p:ext>
+    </p:extLst>
+  </p:cSld>
+  <p:clrMapOvr>
+    <a:masterClrMapping/>
+  </p:clrMapOvr>
+</p:notes>
+</file>
+
+<file path=ppt/notesSlides/notesSlide8.xml><?xml version="1.0" encoding="utf-8"?>
+<p:notes xmlns:a="http://schemas.openxmlformats.org/drawingml/2006/main" xmlns:r="http://schemas.openxmlformats.org/officeDocument/2006/relationships" xmlns:p="http://schemas.openxmlformats.org/presentationml/2006/main">
+  <p:cSld>
+    <p:spTree>
+      <p:nvGrpSpPr>
+        <p:cNvPr id="1" name=""/>
+        <p:cNvGrpSpPr/>
+        <p:nvPr/>
+      </p:nvGrpSpPr>
+      <p:grpSpPr>
+        <a:xfrm>
+          <a:off x="0" y="0"/>
+          <a:ext cx="0" cy="0"/>
+          <a:chOff x="0" y="0"/>
+          <a:chExt cx="0" cy="0"/>
+        </a:xfrm>
+      </p:grpSpPr>
+      <p:sp>
+        <p:nvSpPr>
+          <p:cNvPr id="2" name="Slide Image Placeholder 1"/>
+          <p:cNvSpPr>
+            <a:spLocks noGrp="1" noRot="1" noChangeAspect="1"/>
+          </p:cNvSpPr>
+          <p:nvPr>
+            <p:ph type="sldImg"/>
+          </p:nvPr>
+        </p:nvSpPr>
+        <p:spPr/>
+      </p:sp>
+      <p:sp>
+        <p:nvSpPr>
+          <p:cNvPr id="3" name="Notes Placeholder 2"/>
+          <p:cNvSpPr>
+            <a:spLocks noGrp="1"/>
+          </p:cNvSpPr>
+          <p:nvPr>
+            <p:ph type="body" idx="1"/>
+          </p:nvPr>
+        </p:nvSpPr>
+        <p:spPr/>
+        <p:txBody>
+          <a:bodyPr/>
+          <a:lstStyle/>
+          <a:p>
+            <a:r>
+              <a:rPr lang="en-US" dirty="0"/>
+              <a:t>While looking for different factors that that may affect bitcoin price, we also tried to approach using the qualitative analysis to see whether there are evidences that may affect the bitcoin price. While looking at other data sets such as google trend, tweet, and others, we were able to use NYTimes API to automatically pull articles that was published during the different price points that were related to Bitcoins. </a:t>
+            </a:r>
+          </a:p>
+          <a:p>
+            <a:endParaRPr lang="en-US" dirty="0"/>
+          </a:p>
+        </p:txBody>
+      </p:sp>
+      <p:sp>
+        <p:nvSpPr>
+          <p:cNvPr id="4" name="Slide Number Placeholder 3"/>
+          <p:cNvSpPr>
+            <a:spLocks noGrp="1"/>
+          </p:cNvSpPr>
+          <p:nvPr>
+            <p:ph type="sldNum" sz="quarter" idx="5"/>
+          </p:nvPr>
+        </p:nvSpPr>
+        <p:spPr/>
+        <p:txBody>
+          <a:bodyPr/>
+          <a:lstStyle/>
+          <a:p>
+            <a:fld id="{24F6410C-654B-48F3-A180-15572EDD29C5}" type="slidenum">
+              <a:rPr lang="en-US" smtClean="0"/>
+              <a:t>9</a:t>
+            </a:fld>
+            <a:endParaRPr lang="en-US"/>
+          </a:p>
+        </p:txBody>
+      </p:sp>
+    </p:spTree>
+    <p:extLst>
+      <p:ext uri="{BB962C8B-B14F-4D97-AF65-F5344CB8AC3E}">
+        <p14:creationId xmlns:p14="http://schemas.microsoft.com/office/powerpoint/2010/main" val="4034595871"/>
+      </p:ext>
+    </p:extLst>
+  </p:cSld>
+  <p:clrMapOvr>
+    <a:masterClrMapping/>
+  </p:clrMapOvr>
+</p:notes>
+</file>
+
+<file path=ppt/notesSlides/notesSlide9.xml><?xml version="1.0" encoding="utf-8"?>
+<p:notes xmlns:a="http://schemas.openxmlformats.org/drawingml/2006/main" xmlns:r="http://schemas.openxmlformats.org/officeDocument/2006/relationships" xmlns:p="http://schemas.openxmlformats.org/presentationml/2006/main">
+  <p:cSld>
+    <p:spTree>
+      <p:nvGrpSpPr>
+        <p:cNvPr id="1" name=""/>
+        <p:cNvGrpSpPr/>
+        <p:nvPr/>
+      </p:nvGrpSpPr>
+      <p:grpSpPr>
+        <a:xfrm>
+          <a:off x="0" y="0"/>
+          <a:ext cx="0" cy="0"/>
+          <a:chOff x="0" y="0"/>
+          <a:chExt cx="0" cy="0"/>
+        </a:xfrm>
+      </p:grpSpPr>
+      <p:sp>
+        <p:nvSpPr>
+          <p:cNvPr id="2" name="Slide Image Placeholder 1"/>
+          <p:cNvSpPr>
+            <a:spLocks noGrp="1" noRot="1" noChangeAspect="1"/>
+          </p:cNvSpPr>
+          <p:nvPr>
+            <p:ph type="sldImg"/>
+          </p:nvPr>
+        </p:nvSpPr>
+        <p:spPr/>
+      </p:sp>
+      <p:sp>
+        <p:nvSpPr>
+          <p:cNvPr id="3" name="Notes Placeholder 2"/>
+          <p:cNvSpPr>
+            <a:spLocks noGrp="1"/>
+          </p:cNvSpPr>
+          <p:nvPr>
+            <p:ph type="body" idx="1"/>
+          </p:nvPr>
+        </p:nvSpPr>
+        <p:spPr/>
+        <p:txBody>
+          <a:bodyPr/>
+          <a:lstStyle/>
+          <a:p>
+            <a:r>
+              <a:rPr lang="en-US" dirty="0"/>
+              <a:t>Actual screenshot of </a:t>
+            </a:r>
+            <a:r>
+              <a:rPr lang="en-US" dirty="0" err="1"/>
+              <a:t>jupyter</a:t>
+            </a:r>
+            <a:r>
+              <a:rPr lang="en-US" dirty="0"/>
+              <a:t> </a:t>
+            </a:r>
+            <a:r>
+              <a:rPr lang="en-US"/>
+              <a:t>notebook outcome</a:t>
+            </a:r>
+          </a:p>
+        </p:txBody>
+      </p:sp>
+      <p:sp>
+        <p:nvSpPr>
+          <p:cNvPr id="4" name="Slide Number Placeholder 3"/>
+          <p:cNvSpPr>
+            <a:spLocks noGrp="1"/>
+          </p:cNvSpPr>
+          <p:nvPr>
+            <p:ph type="sldNum" sz="quarter" idx="5"/>
+          </p:nvPr>
+        </p:nvSpPr>
+        <p:spPr/>
+        <p:txBody>
+          <a:bodyPr/>
+          <a:lstStyle/>
+          <a:p>
+            <a:fld id="{24F6410C-654B-48F3-A180-15572EDD29C5}" type="slidenum">
+              <a:rPr lang="en-US" smtClean="0"/>
+              <a:t>10</a:t>
+            </a:fld>
+            <a:endParaRPr lang="en-US"/>
+          </a:p>
+        </p:txBody>
+      </p:sp>
+    </p:spTree>
+    <p:extLst>
+      <p:ext uri="{BB962C8B-B14F-4D97-AF65-F5344CB8AC3E}">
+        <p14:creationId xmlns:p14="http://schemas.microsoft.com/office/powerpoint/2010/main" val="2534582861"/>
       </p:ext>
     </p:extLst>
   </p:cSld>
@@ -1141,7 +1787,7 @@
           <a:p>
             <a:fld id="{221664B9-703B-9747-A4ED-FDEA8EDA7AFF}" type="datetimeFigureOut">
               <a:rPr lang="en-US" smtClean="0"/>
-              <a:t>11/4/2021</a:t>
+              <a:t>11/6/2021</a:t>
             </a:fld>
             <a:endParaRPr lang="en-US"/>
           </a:p>
@@ -1475,7 +2121,7 @@
           <a:p>
             <a:fld id="{221664B9-703B-9747-A4ED-FDEA8EDA7AFF}" type="datetimeFigureOut">
               <a:rPr lang="en-US" smtClean="0"/>
-              <a:t>11/4/2021</a:t>
+              <a:t>11/6/2021</a:t>
             </a:fld>
             <a:endParaRPr lang="en-US"/>
           </a:p>
@@ -1753,7 +2399,7 @@
           <a:p>
             <a:fld id="{221664B9-703B-9747-A4ED-FDEA8EDA7AFF}" type="datetimeFigureOut">
               <a:rPr lang="en-US" smtClean="0"/>
-              <a:t>11/4/2021</a:t>
+              <a:t>11/6/2021</a:t>
             </a:fld>
             <a:endParaRPr lang="en-US"/>
           </a:p>
@@ -2321,7 +2967,7 @@
           <a:p>
             <a:fld id="{221664B9-703B-9747-A4ED-FDEA8EDA7AFF}" type="datetimeFigureOut">
               <a:rPr lang="en-US" smtClean="0"/>
-              <a:t>11/4/2021</a:t>
+              <a:t>11/6/2021</a:t>
             </a:fld>
             <a:endParaRPr lang="en-US"/>
           </a:p>
@@ -2599,7 +3245,7 @@
           <a:p>
             <a:fld id="{221664B9-703B-9747-A4ED-FDEA8EDA7AFF}" type="datetimeFigureOut">
               <a:rPr lang="en-US" smtClean="0"/>
-              <a:t>11/4/2021</a:t>
+              <a:t>11/6/2021</a:t>
             </a:fld>
             <a:endParaRPr lang="en-US"/>
           </a:p>
@@ -3161,7 +3807,7 @@
           <a:p>
             <a:fld id="{221664B9-703B-9747-A4ED-FDEA8EDA7AFF}" type="datetimeFigureOut">
               <a:rPr lang="en-US" smtClean="0"/>
-              <a:t>11/4/2021</a:t>
+              <a:t>11/6/2021</a:t>
             </a:fld>
             <a:endParaRPr lang="en-US"/>
           </a:p>
@@ -3488,7 +4134,7 @@
           <a:p>
             <a:fld id="{221664B9-703B-9747-A4ED-FDEA8EDA7AFF}" type="datetimeFigureOut">
               <a:rPr lang="en-US" smtClean="0"/>
-              <a:t>11/4/2021</a:t>
+              <a:t>11/6/2021</a:t>
             </a:fld>
             <a:endParaRPr lang="en-US"/>
           </a:p>
@@ -3665,7 +4311,7 @@
           <a:p>
             <a:fld id="{221664B9-703B-9747-A4ED-FDEA8EDA7AFF}" type="datetimeFigureOut">
               <a:rPr lang="en-US" smtClean="0"/>
-              <a:t>11/4/2021</a:t>
+              <a:t>11/6/2021</a:t>
             </a:fld>
             <a:endParaRPr lang="en-US"/>
           </a:p>
@@ -3903,7 +4549,7 @@
           <a:p>
             <a:fld id="{221664B9-703B-9747-A4ED-FDEA8EDA7AFF}" type="datetimeFigureOut">
               <a:rPr lang="en-US" smtClean="0"/>
-              <a:t>11/4/2021</a:t>
+              <a:t>11/6/2021</a:t>
             </a:fld>
             <a:endParaRPr lang="en-US"/>
           </a:p>
@@ -4103,7 +4749,7 @@
           <a:p>
             <a:fld id="{221664B9-703B-9747-A4ED-FDEA8EDA7AFF}" type="datetimeFigureOut">
               <a:rPr lang="en-US" smtClean="0"/>
-              <a:t>11/4/2021</a:t>
+              <a:t>11/6/2021</a:t>
             </a:fld>
             <a:endParaRPr lang="en-US"/>
           </a:p>
@@ -4379,7 +5025,7 @@
           <a:p>
             <a:fld id="{221664B9-703B-9747-A4ED-FDEA8EDA7AFF}" type="datetimeFigureOut">
               <a:rPr lang="en-US" smtClean="0"/>
-              <a:t>11/4/2021</a:t>
+              <a:t>11/6/2021</a:t>
             </a:fld>
             <a:endParaRPr lang="en-US"/>
           </a:p>
@@ -4645,7 +5291,7 @@
           <a:p>
             <a:fld id="{221664B9-703B-9747-A4ED-FDEA8EDA7AFF}" type="datetimeFigureOut">
               <a:rPr lang="en-US" smtClean="0"/>
-              <a:t>11/4/2021</a:t>
+              <a:t>11/6/2021</a:t>
             </a:fld>
             <a:endParaRPr lang="en-US"/>
           </a:p>
@@ -5019,7 +5665,7 @@
           <a:p>
             <a:fld id="{221664B9-703B-9747-A4ED-FDEA8EDA7AFF}" type="datetimeFigureOut">
               <a:rPr lang="en-US" smtClean="0"/>
-              <a:t>11/4/2021</a:t>
+              <a:t>11/6/2021</a:t>
             </a:fld>
             <a:endParaRPr lang="en-US"/>
           </a:p>
@@ -5167,7 +5813,7 @@
           <a:p>
             <a:fld id="{221664B9-703B-9747-A4ED-FDEA8EDA7AFF}" type="datetimeFigureOut">
               <a:rPr lang="en-US" smtClean="0"/>
-              <a:t>11/4/2021</a:t>
+              <a:t>11/6/2021</a:t>
             </a:fld>
             <a:endParaRPr lang="en-US"/>
           </a:p>
@@ -5292,7 +5938,7 @@
           <a:p>
             <a:fld id="{221664B9-703B-9747-A4ED-FDEA8EDA7AFF}" type="datetimeFigureOut">
               <a:rPr lang="en-US" smtClean="0"/>
-              <a:t>11/4/2021</a:t>
+              <a:t>11/6/2021</a:t>
             </a:fld>
             <a:endParaRPr lang="en-US"/>
           </a:p>
@@ -5577,7 +6223,7 @@
           <a:p>
             <a:fld id="{221664B9-703B-9747-A4ED-FDEA8EDA7AFF}" type="datetimeFigureOut">
               <a:rPr lang="en-US" smtClean="0"/>
-              <a:t>11/4/2021</a:t>
+              <a:t>11/6/2021</a:t>
             </a:fld>
             <a:endParaRPr lang="en-US"/>
           </a:p>
@@ -5901,7 +6547,7 @@
           <a:p>
             <a:fld id="{221664B9-703B-9747-A4ED-FDEA8EDA7AFF}" type="datetimeFigureOut">
               <a:rPr lang="en-US" smtClean="0"/>
-              <a:t>11/4/2021</a:t>
+              <a:t>11/6/2021</a:t>
             </a:fld>
             <a:endParaRPr lang="en-US"/>
           </a:p>
@@ -6115,7 +6761,7 @@
           <a:p>
             <a:fld id="{221664B9-703B-9747-A4ED-FDEA8EDA7AFF}" type="datetimeFigureOut">
               <a:rPr lang="en-US" smtClean="0"/>
-              <a:t>11/4/2021</a:t>
+              <a:t>11/6/2021</a:t>
             </a:fld>
             <a:endParaRPr lang="en-US"/>
           </a:p>
@@ -6760,6 +7406,424 @@
           <a:chExt cx="0" cy="0"/>
         </a:xfrm>
       </p:grpSpPr>
+      <p:pic>
+        <p:nvPicPr>
+          <p:cNvPr id="5" name="Picture 4">
+            <a:extLst>
+              <a:ext uri="{FF2B5EF4-FFF2-40B4-BE49-F238E27FC236}">
+                <a16:creationId xmlns:a16="http://schemas.microsoft.com/office/drawing/2014/main" id="{196E9109-DD78-4F62-B02E-C9C260BF6D98}"/>
+              </a:ext>
+            </a:extLst>
+          </p:cNvPr>
+          <p:cNvPicPr>
+            <a:picLocks noChangeAspect="1"/>
+          </p:cNvPicPr>
+          <p:nvPr/>
+        </p:nvPicPr>
+        <p:blipFill>
+          <a:blip r:embed="rId3"/>
+          <a:stretch>
+            <a:fillRect/>
+          </a:stretch>
+        </p:blipFill>
+        <p:spPr>
+          <a:xfrm>
+            <a:off x="185737" y="1838325"/>
+            <a:ext cx="11820525" cy="4410075"/>
+          </a:xfrm>
+          <a:prstGeom prst="rect">
+            <a:avLst/>
+          </a:prstGeom>
+        </p:spPr>
+      </p:pic>
+      <p:sp>
+        <p:nvSpPr>
+          <p:cNvPr id="7" name="TextBox 6">
+            <a:extLst>
+              <a:ext uri="{FF2B5EF4-FFF2-40B4-BE49-F238E27FC236}">
+                <a16:creationId xmlns:a16="http://schemas.microsoft.com/office/drawing/2014/main" id="{68F06EF8-3AD2-4199-898A-76F5F4F51257}"/>
+              </a:ext>
+            </a:extLst>
+          </p:cNvPr>
+          <p:cNvSpPr txBox="1"/>
+          <p:nvPr/>
+        </p:nvSpPr>
+        <p:spPr>
+          <a:xfrm>
+            <a:off x="263155" y="467841"/>
+            <a:ext cx="6097772" cy="584775"/>
+          </a:xfrm>
+          <a:prstGeom prst="rect">
+            <a:avLst/>
+          </a:prstGeom>
+          <a:noFill/>
+        </p:spPr>
+        <p:txBody>
+          <a:bodyPr wrap="square">
+            <a:spAutoFit/>
+          </a:bodyPr>
+          <a:lstStyle/>
+          <a:p>
+            <a:r>
+              <a:rPr lang="en-US" sz="1800" b="1" u="sng" dirty="0"/>
+              <a:t>How </a:t>
+            </a:r>
+            <a:r>
+              <a:rPr lang="en-US" b="1" u="sng" dirty="0"/>
+              <a:t>does news article affects Bitcoin price (</a:t>
+            </a:r>
+            <a:r>
+              <a:rPr lang="en-US" b="1" u="sng" dirty="0" err="1"/>
+              <a:t>Con’t</a:t>
+            </a:r>
+            <a:r>
+              <a:rPr lang="en-US" b="1" u="sng" dirty="0"/>
+              <a:t>)</a:t>
+            </a:r>
+          </a:p>
+          <a:p>
+            <a:r>
+              <a:rPr lang="en-US" sz="1400" i="1" dirty="0"/>
+              <a:t>Resources : NY Times API</a:t>
+            </a:r>
+            <a:endParaRPr lang="en-US" dirty="0"/>
+          </a:p>
+        </p:txBody>
+      </p:sp>
+    </p:spTree>
+    <p:extLst>
+      <p:ext uri="{BB962C8B-B14F-4D97-AF65-F5344CB8AC3E}">
+        <p14:creationId xmlns:p14="http://schemas.microsoft.com/office/powerpoint/2010/main" val="2927438381"/>
+      </p:ext>
+    </p:extLst>
+  </p:cSld>
+  <p:clrMapOvr>
+    <a:masterClrMapping/>
+  </p:clrMapOvr>
+</p:sld>
+</file>
+
+<file path=ppt/slides/slide11.xml><?xml version="1.0" encoding="utf-8"?>
+<p:sld xmlns:a="http://schemas.openxmlformats.org/drawingml/2006/main" xmlns:r="http://schemas.openxmlformats.org/officeDocument/2006/relationships" xmlns:p="http://schemas.openxmlformats.org/presentationml/2006/main">
+  <p:cSld>
+    <p:spTree>
+      <p:nvGrpSpPr>
+        <p:cNvPr id="1" name=""/>
+        <p:cNvGrpSpPr/>
+        <p:nvPr/>
+      </p:nvGrpSpPr>
+      <p:grpSpPr>
+        <a:xfrm>
+          <a:off x="0" y="0"/>
+          <a:ext cx="0" cy="0"/>
+          <a:chOff x="0" y="0"/>
+          <a:chExt cx="0" cy="0"/>
+        </a:xfrm>
+      </p:grpSpPr>
+      <p:sp>
+        <p:nvSpPr>
+          <p:cNvPr id="2" name="Title 1">
+            <a:extLst>
+              <a:ext uri="{FF2B5EF4-FFF2-40B4-BE49-F238E27FC236}">
+                <a16:creationId xmlns:a16="http://schemas.microsoft.com/office/drawing/2014/main" id="{336CD33D-14DA-6044-AA72-F4D991E722A0}"/>
+              </a:ext>
+            </a:extLst>
+          </p:cNvPr>
+          <p:cNvSpPr>
+            <a:spLocks noGrp="1"/>
+          </p:cNvSpPr>
+          <p:nvPr>
+            <p:ph type="title"/>
+          </p:nvPr>
+        </p:nvSpPr>
+        <p:spPr>
+          <a:xfrm>
+            <a:off x="685801" y="422930"/>
+            <a:ext cx="10131425" cy="1456267"/>
+          </a:xfrm>
+        </p:spPr>
+        <p:txBody>
+          <a:bodyPr>
+            <a:normAutofit/>
+          </a:bodyPr>
+          <a:lstStyle/>
+          <a:p>
+            <a:r>
+              <a:rPr lang="en-US" u="sng" dirty="0"/>
+              <a:t>Implications from our findings</a:t>
+            </a:r>
+          </a:p>
+        </p:txBody>
+      </p:sp>
+      <p:sp>
+        <p:nvSpPr>
+          <p:cNvPr id="7" name="TextBox 6">
+            <a:extLst>
+              <a:ext uri="{FF2B5EF4-FFF2-40B4-BE49-F238E27FC236}">
+                <a16:creationId xmlns:a16="http://schemas.microsoft.com/office/drawing/2014/main" id="{6682ECF8-CCCC-4426-B3FA-1F7CF386EE44}"/>
+              </a:ext>
+            </a:extLst>
+          </p:cNvPr>
+          <p:cNvSpPr txBox="1"/>
+          <p:nvPr/>
+        </p:nvSpPr>
+        <p:spPr>
+          <a:xfrm>
+            <a:off x="795647" y="1582059"/>
+            <a:ext cx="10438410" cy="1938992"/>
+          </a:xfrm>
+          <a:prstGeom prst="rect">
+            <a:avLst/>
+          </a:prstGeom>
+          <a:noFill/>
+        </p:spPr>
+        <p:txBody>
+          <a:bodyPr wrap="square" rtlCol="0">
+            <a:spAutoFit/>
+          </a:bodyPr>
+          <a:lstStyle/>
+          <a:p>
+            <a:pPr marL="285750" indent="-285750">
+              <a:buFont typeface="Arial" panose="020B0604020202020204" pitchFamily="34" charset="0"/>
+              <a:buChar char="•"/>
+            </a:pPr>
+            <a:r>
+              <a:rPr lang="en-US" sz="2400" dirty="0"/>
+              <a:t>Nvidia stock price and Bitcoin price – strong correlation, r=.85</a:t>
+            </a:r>
+          </a:p>
+          <a:p>
+            <a:pPr marL="285750" indent="-285750">
+              <a:buFont typeface="Arial" panose="020B0604020202020204" pitchFamily="34" charset="0"/>
+              <a:buChar char="•"/>
+            </a:pPr>
+            <a:r>
+              <a:rPr lang="en-US" sz="2400" dirty="0"/>
+              <a:t>Gas Price – low/moderate correlation, r = </a:t>
+            </a:r>
+            <a:r>
+              <a:rPr lang="en-US" altLang="en-US" sz="2400" dirty="0"/>
+              <a:t>0.51</a:t>
+            </a:r>
+            <a:endParaRPr lang="en-US" sz="2400" dirty="0"/>
+          </a:p>
+          <a:p>
+            <a:pPr marL="285750" indent="-285750">
+              <a:buFont typeface="Arial" panose="020B0604020202020204" pitchFamily="34" charset="0"/>
+              <a:buChar char="•"/>
+            </a:pPr>
+            <a:r>
+              <a:rPr lang="en-US" sz="2400" dirty="0"/>
+              <a:t>Temperatures at Crypto Mining Centers – there is a weak correlation to rising Bitcoin prices and temperatures at major Bitcoin mining centers</a:t>
+            </a:r>
+          </a:p>
+          <a:p>
+            <a:pPr marL="285750" indent="-285750">
+              <a:buFont typeface="Arial" panose="020B0604020202020204" pitchFamily="34" charset="0"/>
+              <a:buChar char="•"/>
+            </a:pPr>
+            <a:endParaRPr lang="en-US" sz="2400" dirty="0"/>
+          </a:p>
+        </p:txBody>
+      </p:sp>
+      <p:sp>
+        <p:nvSpPr>
+          <p:cNvPr id="8" name="Title 1">
+            <a:extLst>
+              <a:ext uri="{FF2B5EF4-FFF2-40B4-BE49-F238E27FC236}">
+                <a16:creationId xmlns:a16="http://schemas.microsoft.com/office/drawing/2014/main" id="{A7348BB2-D70B-4D4C-85FC-04C54AC037D6}"/>
+              </a:ext>
+            </a:extLst>
+          </p:cNvPr>
+          <p:cNvSpPr txBox="1">
+            <a:spLocks/>
+          </p:cNvSpPr>
+          <p:nvPr/>
+        </p:nvSpPr>
+        <p:spPr>
+          <a:xfrm>
+            <a:off x="685800" y="3522538"/>
+            <a:ext cx="10131425" cy="1108840"/>
+          </a:xfrm>
+          <a:prstGeom prst="rect">
+            <a:avLst/>
+          </a:prstGeom>
+          <a:effectLst/>
+        </p:spPr>
+        <p:txBody>
+          <a:bodyPr vert="horz" lIns="91440" tIns="45720" rIns="91440" bIns="45720" rtlCol="0" anchor="ctr">
+            <a:normAutofit/>
+          </a:bodyPr>
+          <a:lstStyle>
+            <a:lvl1pPr algn="l" defTabSz="457200" rtl="0" eaLnBrk="1" latinLnBrk="0" hangingPunct="1">
+              <a:spcBef>
+                <a:spcPct val="0"/>
+              </a:spcBef>
+              <a:buNone/>
+              <a:defRPr sz="3600" kern="1200" cap="all">
+                <a:ln w="3175" cmpd="sng">
+                  <a:noFill/>
+                </a:ln>
+                <a:solidFill>
+                  <a:schemeClr val="tx1"/>
+                </a:solidFill>
+                <a:effectLst/>
+                <a:latin typeface="+mj-lt"/>
+                <a:ea typeface="+mj-ea"/>
+                <a:cs typeface="+mj-cs"/>
+              </a:defRPr>
+            </a:lvl1pPr>
+            <a:lvl2pPr eaLnBrk="1" hangingPunct="1">
+              <a:defRPr>
+                <a:solidFill>
+                  <a:schemeClr val="tx2"/>
+                </a:solidFill>
+              </a:defRPr>
+            </a:lvl2pPr>
+            <a:lvl3pPr eaLnBrk="1" hangingPunct="1">
+              <a:defRPr>
+                <a:solidFill>
+                  <a:schemeClr val="tx2"/>
+                </a:solidFill>
+              </a:defRPr>
+            </a:lvl3pPr>
+            <a:lvl4pPr eaLnBrk="1" hangingPunct="1">
+              <a:defRPr>
+                <a:solidFill>
+                  <a:schemeClr val="tx2"/>
+                </a:solidFill>
+              </a:defRPr>
+            </a:lvl4pPr>
+            <a:lvl5pPr eaLnBrk="1" hangingPunct="1">
+              <a:defRPr>
+                <a:solidFill>
+                  <a:schemeClr val="tx2"/>
+                </a:solidFill>
+              </a:defRPr>
+            </a:lvl5pPr>
+            <a:lvl6pPr eaLnBrk="1" hangingPunct="1">
+              <a:defRPr>
+                <a:solidFill>
+                  <a:schemeClr val="tx2"/>
+                </a:solidFill>
+              </a:defRPr>
+            </a:lvl6pPr>
+            <a:lvl7pPr eaLnBrk="1" hangingPunct="1">
+              <a:defRPr>
+                <a:solidFill>
+                  <a:schemeClr val="tx2"/>
+                </a:solidFill>
+              </a:defRPr>
+            </a:lvl7pPr>
+            <a:lvl8pPr eaLnBrk="1" hangingPunct="1">
+              <a:defRPr>
+                <a:solidFill>
+                  <a:schemeClr val="tx2"/>
+                </a:solidFill>
+              </a:defRPr>
+            </a:lvl8pPr>
+            <a:lvl9pPr eaLnBrk="1" hangingPunct="1">
+              <a:defRPr>
+                <a:solidFill>
+                  <a:schemeClr val="tx2"/>
+                </a:solidFill>
+              </a:defRPr>
+            </a:lvl9pPr>
+          </a:lstStyle>
+          <a:p>
+            <a:r>
+              <a:rPr lang="en-US" u="sng" dirty="0"/>
+              <a:t>What we learned</a:t>
+            </a:r>
+          </a:p>
+        </p:txBody>
+      </p:sp>
+      <p:sp>
+        <p:nvSpPr>
+          <p:cNvPr id="9" name="TextBox 8">
+            <a:extLst>
+              <a:ext uri="{FF2B5EF4-FFF2-40B4-BE49-F238E27FC236}">
+                <a16:creationId xmlns:a16="http://schemas.microsoft.com/office/drawing/2014/main" id="{7920D4A6-EDCA-43D6-9AE8-01DDCB99A949}"/>
+              </a:ext>
+            </a:extLst>
+          </p:cNvPr>
+          <p:cNvSpPr txBox="1"/>
+          <p:nvPr/>
+        </p:nvSpPr>
+        <p:spPr>
+          <a:xfrm>
+            <a:off x="795647" y="4498769"/>
+            <a:ext cx="10438410" cy="1200329"/>
+          </a:xfrm>
+          <a:prstGeom prst="rect">
+            <a:avLst/>
+          </a:prstGeom>
+          <a:noFill/>
+        </p:spPr>
+        <p:txBody>
+          <a:bodyPr wrap="square" rtlCol="0">
+            <a:spAutoFit/>
+          </a:bodyPr>
+          <a:lstStyle/>
+          <a:p>
+            <a:pPr marL="285750" indent="-285750">
+              <a:buFont typeface="Arial" panose="020B0604020202020204" pitchFamily="34" charset="0"/>
+              <a:buChar char="•"/>
+            </a:pPr>
+            <a:r>
+              <a:rPr lang="en-US" sz="2400" dirty="0"/>
+              <a:t>Cleaning data can take longer than expected</a:t>
+            </a:r>
+          </a:p>
+          <a:p>
+            <a:pPr marL="285750" indent="-285750">
+              <a:buFont typeface="Arial" panose="020B0604020202020204" pitchFamily="34" charset="0"/>
+              <a:buChar char="•"/>
+            </a:pPr>
+            <a:r>
+              <a:rPr lang="en-US" sz="2400" dirty="0"/>
+              <a:t>Formatting dates to be merged is difficult</a:t>
+            </a:r>
+          </a:p>
+          <a:p>
+            <a:pPr marL="285750" indent="-285750">
+              <a:buFont typeface="Arial" panose="020B0604020202020204" pitchFamily="34" charset="0"/>
+              <a:buChar char="•"/>
+            </a:pPr>
+            <a:endParaRPr lang="en-US" sz="2400" dirty="0"/>
+          </a:p>
+        </p:txBody>
+      </p:sp>
+    </p:spTree>
+    <p:extLst>
+      <p:ext uri="{BB962C8B-B14F-4D97-AF65-F5344CB8AC3E}">
+        <p14:creationId xmlns:p14="http://schemas.microsoft.com/office/powerpoint/2010/main" val="266635141"/>
+      </p:ext>
+    </p:extLst>
+  </p:cSld>
+  <p:clrMapOvr>
+    <a:masterClrMapping/>
+  </p:clrMapOvr>
+</p:sld>
+</file>
+
+<file path=ppt/slides/slide12.xml><?xml version="1.0" encoding="utf-8"?>
+<p:sld xmlns:a="http://schemas.openxmlformats.org/drawingml/2006/main" xmlns:r="http://schemas.openxmlformats.org/officeDocument/2006/relationships" xmlns:p="http://schemas.openxmlformats.org/presentationml/2006/main">
+  <p:cSld>
+    <p:spTree>
+      <p:nvGrpSpPr>
+        <p:cNvPr id="1" name=""/>
+        <p:cNvGrpSpPr/>
+        <p:nvPr/>
+      </p:nvGrpSpPr>
+      <p:grpSpPr>
+        <a:xfrm>
+          <a:off x="0" y="0"/>
+          <a:ext cx="0" cy="0"/>
+          <a:chOff x="0" y="0"/>
+          <a:chExt cx="0" cy="0"/>
+        </a:xfrm>
+      </p:grpSpPr>
       <p:sp>
         <p:nvSpPr>
           <p:cNvPr id="2" name="Title 1">
@@ -6994,24 +8058,23 @@
               </a:spcAft>
             </a:pPr>
             <a:r>
-              <a:rPr lang="en-US" sz="2400" dirty="0"/>
-              <a:t> Weather Data</a:t>
-            </a:r>
-            <a:br>
-              <a:rPr lang="en-US" sz="2400" dirty="0"/>
-            </a:br>
-            <a:r>
-              <a:rPr lang="en-US" sz="2400" dirty="0"/>
-              <a:t>	</a:t>
-            </a:r>
-            <a:r>
-              <a:rPr lang="en-US" sz="2000" dirty="0">
+              <a:rPr lang="en-US" sz="1700" dirty="0"/>
+              <a:t> Weather Data </a:t>
+            </a:r>
+            <a:r>
+              <a:rPr lang="en-US" sz="1700" dirty="0">
                 <a:hlinkClick r:id="rId2"/>
               </a:rPr>
-              <a:t>https://www.worldweatheronline.com/</a:t>
-            </a:r>
-            <a:r>
-              <a:rPr lang="en-US" sz="2000" dirty="0"/>
+              <a:t>ht</a:t>
+            </a:r>
+            <a:r>
+              <a:rPr lang="en-US" sz="1700" dirty="0">
+                <a:hlinkClick r:id="rId2"/>
+              </a:rPr>
+              <a:t>tps://www.worldweatheronline.com/</a:t>
+            </a:r>
+            <a:r>
+              <a:rPr lang="en-US" sz="1700" dirty="0"/>
               <a:t>  </a:t>
             </a:r>
           </a:p>
@@ -7025,25 +8088,17 @@
               </a:spcAft>
             </a:pPr>
             <a:r>
-              <a:rPr lang="en-US" i="1" dirty="0"/>
-              <a:t> </a:t>
-            </a:r>
-            <a:r>
-              <a:rPr lang="en-US" sz="2400" i="1" dirty="0"/>
-              <a:t>The Top 5 Largest Mining Operations in the World </a:t>
-            </a:r>
-            <a:r>
-              <a:rPr lang="en-US" i="1" dirty="0"/>
-              <a:t>	</a:t>
-            </a:r>
-            <a:r>
-              <a:rPr lang="en-US" sz="2000" dirty="0">
+              <a:rPr lang="en-US" sz="1700" i="1" dirty="0"/>
+              <a:t> The Top 5 Largest Mining Operations in the World 	</a:t>
+            </a:r>
+            <a:r>
+              <a:rPr lang="en-US" sz="1700" dirty="0">
                 <a:hlinkClick r:id="rId3"/>
               </a:rPr>
               <a:t>https://thebitcoinnews.com/the-top-5-largest-mining-operations-in-the-world/</a:t>
             </a:r>
             <a:r>
-              <a:rPr lang="en-US" sz="2000" dirty="0"/>
+              <a:rPr lang="en-US" sz="1700" dirty="0"/>
               <a:t> </a:t>
             </a:r>
           </a:p>
@@ -7057,26 +8112,24 @@
               </a:spcAft>
             </a:pPr>
             <a:r>
-              <a:rPr lang="en-US" sz="2400" u="sng" dirty="0"/>
+              <a:rPr lang="en-US" sz="1700" u="sng" dirty="0"/>
               <a:t>Yahoo Finance</a:t>
             </a:r>
-          </a:p>
-          <a:p>
-            <a:pPr marL="914400" lvl="2" indent="0">
-              <a:lnSpc>
-                <a:spcPct val="100000"/>
-              </a:lnSpc>
-              <a:spcAft>
-                <a:spcPts val="2133"/>
-              </a:spcAft>
-            </a:pPr>
-            <a:r>
-              <a:rPr lang="en-US" u="sng" dirty="0">
+            <a:r>
+              <a:rPr lang="en-US" sz="1700" i="1" dirty="0"/>
+              <a:t> </a:t>
+            </a:r>
+            <a:r>
+              <a:rPr lang="en-US" sz="1700" dirty="0"/>
+              <a:t>: </a:t>
+            </a:r>
+            <a:r>
+              <a:rPr lang="en-US" sz="1700" u="sng" dirty="0">
                 <a:hlinkClick r:id="rId4"/>
               </a:rPr>
               <a:t>https://finance.yahoo.com/quote/NVDA?p=NVDA&amp;.tsrc=fin-srch</a:t>
             </a:r>
-            <a:endParaRPr lang="en-US" sz="2400" u="sng" dirty="0"/>
+            <a:endParaRPr lang="en-US" sz="1700" u="sng" dirty="0"/>
           </a:p>
           <a:p>
             <a:pPr marL="0" indent="0">
@@ -7088,16 +8141,35 @@
               </a:spcAft>
             </a:pPr>
             <a:r>
-              <a:rPr lang="en-US" sz="2400" u="sng" dirty="0"/>
+              <a:rPr lang="en-US" sz="1700" u="sng" dirty="0"/>
               <a:t>Kaggle</a:t>
             </a:r>
             <a:r>
-              <a:rPr lang="en-US" sz="2400" dirty="0"/>
+              <a:rPr lang="en-US" sz="1700" dirty="0"/>
               <a:t> </a:t>
             </a:r>
-          </a:p>
-          <a:p>
-            <a:pPr marL="914400" lvl="2" indent="0">
+            <a:r>
+              <a:rPr lang="en-US" sz="1700" u="sng" dirty="0">
+                <a:hlinkClick r:id="rId5"/>
+              </a:rPr>
+              <a:t>https://www.kaggle.com/odins0n/top-50-cryptocurrency-historical-prices</a:t>
+            </a:r>
+            <a:r>
+              <a:rPr lang="en-US" sz="1700" u="sng" dirty="0">
+                <a:hlinkClick r:id="rId6"/>
+              </a:rPr>
+              <a:t> </a:t>
+            </a:r>
+            <a:r>
+              <a:rPr lang="en-US" sz="1700" u="sng" dirty="0">
+                <a:hlinkClick r:id="rId6"/>
+              </a:rPr>
+              <a:t>https://www.kaggle.com/kaushiksuresh147/bitcoin-tweets</a:t>
+            </a:r>
+            <a:endParaRPr lang="en-US" sz="1700" u="sng" dirty="0"/>
+          </a:p>
+          <a:p>
+            <a:pPr marL="0" indent="0">
               <a:lnSpc>
                 <a:spcPct val="100000"/>
               </a:lnSpc>
@@ -7106,15 +8178,19 @@
               </a:spcAft>
             </a:pPr>
             <a:r>
-              <a:rPr lang="en-US" u="sng" dirty="0">
-                <a:hlinkClick r:id="rId5"/>
+              <a:rPr lang="en-US" sz="1700" u="sng" dirty="0"/>
+              <a:t>NY TIMES API </a:t>
+            </a:r>
+            <a:r>
+              <a:rPr lang="en-US" sz="1600" dirty="0">
+                <a:hlinkClick r:id="rId7"/>
               </a:rPr>
-              <a:t>https://www.kaggle.com/odins0n/top-50-cryptocurrency-historical-prices</a:t>
-            </a:r>
-            <a:endParaRPr lang="en-US" dirty="0"/>
-          </a:p>
-          <a:p>
-            <a:pPr marL="914400" lvl="2" indent="0">
+              <a:t>https://developer.nytimes.com</a:t>
+            </a:r>
+            <a:endParaRPr lang="en-US" sz="1600" dirty="0"/>
+          </a:p>
+          <a:p>
+            <a:pPr marL="0" indent="0">
               <a:lnSpc>
                 <a:spcPct val="100000"/>
               </a:lnSpc>
@@ -7123,12 +8199,28 @@
               </a:spcAft>
             </a:pPr>
             <a:r>
-              <a:rPr lang="en-US" u="sng" dirty="0">
-                <a:hlinkClick r:id="rId6"/>
+              <a:rPr lang="en-US" sz="1700" u="sng" dirty="0"/>
+              <a:t>Data </a:t>
+            </a:r>
+            <a:r>
+              <a:rPr lang="en-US" sz="1700" u="sng" dirty="0" err="1"/>
+              <a:t>Sournce</a:t>
+            </a:r>
+            <a:r>
+              <a:rPr lang="en-US" sz="1700" u="sng" dirty="0"/>
+              <a:t> from US Energy Information Administration </a:t>
+            </a:r>
+            <a:r>
+              <a:rPr lang="en-US" sz="1600" u="sng" dirty="0"/>
+              <a:t> </a:t>
+            </a:r>
+            <a:r>
+              <a:rPr lang="en-US" sz="1600" dirty="0">
+                <a:hlinkClick r:id="rId8"/>
               </a:rPr>
-              <a:t> https://www.kaggle.com/kaushiksuresh147/bitcoin-tweets</a:t>
-            </a:r>
-            <a:endParaRPr lang="en-US" u="sng" dirty="0"/>
+              <a:t>https://www.eia.gov/petroleum/gasdiesel/m</a:t>
+            </a:r>
+            <a:endParaRPr lang="en-US" sz="1600" dirty="0"/>
           </a:p>
         </p:txBody>
       </p:sp>
@@ -7252,28 +8344,14 @@
             <a:pPr algn="ctr"/>
             <a:r>
               <a:rPr lang="en" sz="2400" dirty="0"/>
+              <a:t>Temperature at Bitcoin mining centers</a:t>
+            </a:r>
+          </a:p>
+          <a:p>
+            <a:pPr algn="ctr"/>
+            <a:r>
+              <a:rPr lang="en" sz="2400" dirty="0"/>
               <a:t>Gas Price</a:t>
-            </a:r>
-          </a:p>
-          <a:p>
-            <a:pPr algn="ctr"/>
-            <a:r>
-              <a:rPr lang="en" sz="2400" dirty="0"/>
-              <a:t>Temperature at Bitcoin mining centers</a:t>
-            </a:r>
-          </a:p>
-          <a:p>
-            <a:pPr algn="ctr" fontAlgn="base"/>
-            <a:r>
-              <a:rPr lang="en-US" sz="2400" dirty="0"/>
-              <a:t>Google Search Trends</a:t>
-            </a:r>
-          </a:p>
-          <a:p>
-            <a:pPr lvl="1" algn="ctr" fontAlgn="base"/>
-            <a:r>
-              <a:rPr lang="en-US" sz="2400" dirty="0"/>
-              <a:t>What skyrocketed Google trend search of Bitcoin in November 2017?</a:t>
             </a:r>
           </a:p>
           <a:p>
@@ -7483,7 +8561,7 @@
           <p:nvPr/>
         </p:nvPicPr>
         <p:blipFill>
-          <a:blip r:embed="rId2"/>
+          <a:blip r:embed="rId3"/>
           <a:stretch>
             <a:fillRect/>
           </a:stretch>
@@ -7513,7 +8591,7 @@
           <p:nvPr/>
         </p:nvPicPr>
         <p:blipFill>
-          <a:blip r:embed="rId3"/>
+          <a:blip r:embed="rId4"/>
           <a:stretch>
             <a:fillRect/>
           </a:stretch>
@@ -7543,7 +8621,7 @@
           <p:nvPr/>
         </p:nvPicPr>
         <p:blipFill>
-          <a:blip r:embed="rId4"/>
+          <a:blip r:embed="rId5"/>
           <a:stretch>
             <a:fillRect/>
           </a:stretch>
@@ -7573,7 +8651,7 @@
           <p:nvPr/>
         </p:nvPicPr>
         <p:blipFill>
-          <a:blip r:embed="rId5"/>
+          <a:blip r:embed="rId6"/>
           <a:stretch>
             <a:fillRect/>
           </a:stretch>
@@ -8091,7 +9169,7 @@
           <p:nvPr/>
         </p:nvPicPr>
         <p:blipFill>
-          <a:blip r:embed="rId2"/>
+          <a:blip r:embed="rId3"/>
           <a:stretch>
             <a:fillRect/>
           </a:stretch>
@@ -8121,7 +9199,7 @@
           <p:nvPr/>
         </p:nvPicPr>
         <p:blipFill>
-          <a:blip r:embed="rId3"/>
+          <a:blip r:embed="rId4"/>
           <a:stretch>
             <a:fillRect/>
           </a:stretch>
@@ -8974,14 +10052,14 @@
               </a:lnSpc>
             </a:pPr>
             <a:r>
-              <a:rPr lang="en-US" sz="2000" u="sng"/>
+              <a:rPr lang="en-US" sz="2000" u="sng" dirty="0"/>
               <a:t>Are there environmental impacts of crypto currency: </a:t>
             </a:r>
             <a:r>
-              <a:rPr lang="en-US" sz="2000" b="1" u="sng"/>
+              <a:rPr lang="en-US" sz="2000" b="1" u="sng" dirty="0"/>
               <a:t>Temperature</a:t>
             </a:r>
-            <a:endParaRPr lang="en-US" sz="2000" b="1"/>
+            <a:endParaRPr lang="en-US" sz="2000" b="1" dirty="0"/>
           </a:p>
         </p:txBody>
       </p:sp>
@@ -9251,7 +10329,7 @@
         </p:blipFill>
         <p:spPr>
           <a:xfrm>
-            <a:off x="6931845" y="3483966"/>
+            <a:off x="6931845" y="3577945"/>
             <a:ext cx="3726629" cy="2636590"/>
           </a:xfrm>
           <a:prstGeom prst="roundRect">
@@ -9312,7 +10390,12 @@
             <p:ph type="title"/>
           </p:nvPr>
         </p:nvSpPr>
-        <p:spPr/>
+        <p:spPr>
+          <a:xfrm>
+            <a:off x="685801" y="163285"/>
+            <a:ext cx="10131425" cy="1456267"/>
+          </a:xfrm>
+        </p:spPr>
         <p:txBody>
           <a:bodyPr>
             <a:normAutofit/>
@@ -9320,46 +10403,112 @@
           <a:lstStyle/>
           <a:p>
             <a:r>
-              <a:rPr lang="en-US" u="sng" dirty="0"/>
-              <a:t>Conclusions including a numerical summary and visualizations of the summary: </a:t>
-            </a:r>
-            <a:r>
-              <a:rPr lang="en-US" b="1" u="sng" dirty="0"/>
-              <a:t>Gas Prices</a:t>
-            </a:r>
-            <a:endParaRPr lang="en-US" b="1" dirty="0"/>
-          </a:p>
-        </p:txBody>
-      </p:sp>
-      <p:sp>
-        <p:nvSpPr>
-          <p:cNvPr id="3" name="Content Placeholder 2">
+              <a:rPr lang="en-US" sz="2400" b="1" u="sng" dirty="0"/>
+              <a:t>Is there a correlation between gas price and Bitcoin price?</a:t>
+            </a:r>
+            <a:endParaRPr lang="en-US" sz="2400" b="1" dirty="0"/>
+          </a:p>
+        </p:txBody>
+      </p:sp>
+      <p:pic>
+        <p:nvPicPr>
+          <p:cNvPr id="5" name="Content Placeholder 4">
             <a:extLst>
               <a:ext uri="{FF2B5EF4-FFF2-40B4-BE49-F238E27FC236}">
-                <a16:creationId xmlns:a16="http://schemas.microsoft.com/office/drawing/2014/main" id="{E197DE15-6182-4B4D-A8EF-F81ADF84C95D}"/>
+                <a16:creationId xmlns:a16="http://schemas.microsoft.com/office/drawing/2014/main" id="{DC791851-E462-412A-9B48-012FB9DB73B7}"/>
               </a:ext>
             </a:extLst>
           </p:cNvPr>
-          <p:cNvSpPr>
-            <a:spLocks noGrp="1"/>
-          </p:cNvSpPr>
+          <p:cNvPicPr>
+            <a:picLocks noGrp="1" noChangeAspect="1"/>
+          </p:cNvPicPr>
           <p:nvPr>
             <p:ph idx="1"/>
           </p:nvPr>
-        </p:nvSpPr>
+        </p:nvPicPr>
+        <p:blipFill>
+          <a:blip r:embed="rId3"/>
+          <a:stretch>
+            <a:fillRect/>
+          </a:stretch>
+        </p:blipFill>
         <p:spPr>
           <a:xfrm>
-            <a:off x="685801" y="2254800"/>
-            <a:ext cx="10449837" cy="3993599"/>
+            <a:off x="6018367" y="1271207"/>
+            <a:ext cx="5487832" cy="3320301"/>
           </a:xfrm>
         </p:spPr>
-        <p:txBody>
-          <a:bodyPr>
-            <a:normAutofit/>
+      </p:pic>
+      <p:pic>
+        <p:nvPicPr>
+          <p:cNvPr id="7" name="Picture 6">
+            <a:extLst>
+              <a:ext uri="{FF2B5EF4-FFF2-40B4-BE49-F238E27FC236}">
+                <a16:creationId xmlns:a16="http://schemas.microsoft.com/office/drawing/2014/main" id="{67DB35DB-2430-40E9-9517-BD6F2DDB19E9}"/>
+              </a:ext>
+            </a:extLst>
+          </p:cNvPr>
+          <p:cNvPicPr>
+            <a:picLocks noChangeAspect="1"/>
+          </p:cNvPicPr>
+          <p:nvPr/>
+        </p:nvPicPr>
+        <p:blipFill>
+          <a:blip r:embed="rId4"/>
+          <a:stretch>
+            <a:fillRect/>
+          </a:stretch>
+        </p:blipFill>
+        <p:spPr>
+          <a:xfrm>
+            <a:off x="264347" y="1295398"/>
+            <a:ext cx="5487166" cy="3296110"/>
+          </a:xfrm>
+          <a:prstGeom prst="rect">
+            <a:avLst/>
+          </a:prstGeom>
+        </p:spPr>
+      </p:pic>
+      <p:sp>
+        <p:nvSpPr>
+          <p:cNvPr id="12" name="Rectangle 3">
+            <a:extLst>
+              <a:ext uri="{FF2B5EF4-FFF2-40B4-BE49-F238E27FC236}">
+                <a16:creationId xmlns:a16="http://schemas.microsoft.com/office/drawing/2014/main" id="{C3C416C0-8FE0-4CBE-BC35-B2CC3BD00099}"/>
+              </a:ext>
+            </a:extLst>
+          </p:cNvPr>
+          <p:cNvSpPr>
+            <a:spLocks noChangeArrowheads="1"/>
+          </p:cNvSpPr>
+          <p:nvPr/>
+        </p:nvSpPr>
+        <p:spPr bwMode="auto">
+          <a:xfrm>
+            <a:off x="685801" y="4831347"/>
+            <a:ext cx="8514750" cy="646331"/>
+          </a:xfrm>
+          <a:prstGeom prst="rect">
+            <a:avLst/>
+          </a:prstGeom>
+          <a:noFill/>
+        </p:spPr>
+        <p:txBody>
+          <a:bodyPr wrap="square">
+            <a:spAutoFit/>
           </a:bodyPr>
           <a:lstStyle/>
           <a:p>
-            <a:endParaRPr lang="en-US" dirty="0"/>
+            <a:r>
+              <a:rPr lang="en-US" altLang="en-US" dirty="0"/>
+              <a:t>The correlation coefficient between Bitcoin price and Gas Price is 0.51</a:t>
+            </a:r>
+          </a:p>
+          <a:p>
+            <a:r>
+              <a:rPr lang="en-US" altLang="en-US" dirty="0"/>
+              <a:t> </a:t>
+            </a:r>
           </a:p>
         </p:txBody>
       </p:sp>
@@ -9393,47 +10542,736 @@
           <a:chExt cx="0" cy="0"/>
         </a:xfrm>
       </p:grpSpPr>
-      <p:sp>
-        <p:nvSpPr>
-          <p:cNvPr id="2" name="Title 1">
+      <p:pic>
+        <p:nvPicPr>
+          <p:cNvPr id="9" name="Picture 8">
             <a:extLst>
               <a:ext uri="{FF2B5EF4-FFF2-40B4-BE49-F238E27FC236}">
-                <a16:creationId xmlns:a16="http://schemas.microsoft.com/office/drawing/2014/main" id="{336CD33D-14DA-6044-AA72-F4D991E722A0}"/>
+                <a16:creationId xmlns:a16="http://schemas.microsoft.com/office/drawing/2014/main" id="{FBF75E72-E644-41A1-9207-C302F98791D1}"/>
               </a:ext>
             </a:extLst>
           </p:cNvPr>
-          <p:cNvSpPr>
-            <a:spLocks noGrp="1"/>
-          </p:cNvSpPr>
-          <p:nvPr>
-            <p:ph type="title"/>
-          </p:nvPr>
-        </p:nvSpPr>
+          <p:cNvPicPr>
+            <a:picLocks noChangeAspect="1"/>
+          </p:cNvPicPr>
+          <p:nvPr/>
+        </p:nvPicPr>
+        <p:blipFill>
+          <a:blip r:embed="rId3"/>
+          <a:stretch>
+            <a:fillRect/>
+          </a:stretch>
+        </p:blipFill>
         <p:spPr>
           <a:xfrm>
-            <a:off x="685801" y="422930"/>
-            <a:ext cx="10131425" cy="1456267"/>
+            <a:off x="593777" y="925286"/>
+            <a:ext cx="10569223" cy="4669972"/>
           </a:xfrm>
+          <a:prstGeom prst="rect">
+            <a:avLst/>
+          </a:prstGeom>
         </p:spPr>
-        <p:txBody>
-          <a:bodyPr>
-            <a:normAutofit/>
+      </p:pic>
+      <p:sp>
+        <p:nvSpPr>
+          <p:cNvPr id="12" name="Speech Bubble: Rectangle with Corners Rounded 11">
+            <a:extLst>
+              <a:ext uri="{FF2B5EF4-FFF2-40B4-BE49-F238E27FC236}">
+                <a16:creationId xmlns:a16="http://schemas.microsoft.com/office/drawing/2014/main" id="{8AC5AA58-114E-4731-A336-82E6FB620CF0}"/>
+              </a:ext>
+            </a:extLst>
+          </p:cNvPr>
+          <p:cNvSpPr/>
+          <p:nvPr/>
+        </p:nvSpPr>
+        <p:spPr>
+          <a:xfrm>
+            <a:off x="3051544" y="1062400"/>
+            <a:ext cx="2467512" cy="855283"/>
+          </a:xfrm>
+          <a:prstGeom prst="wedgeRoundRectCallout">
+            <a:avLst>
+              <a:gd name="adj1" fmla="val -27088"/>
+              <a:gd name="adj2" fmla="val 267477"/>
+              <a:gd name="adj3" fmla="val 16667"/>
+            </a:avLst>
+          </a:prstGeom>
+          <a:solidFill>
+            <a:schemeClr val="accent2">
+              <a:lumMod val="20000"/>
+              <a:lumOff val="80000"/>
+            </a:schemeClr>
+          </a:solidFill>
+        </p:spPr>
+        <p:style>
+          <a:lnRef idx="2">
+            <a:schemeClr val="accent1">
+              <a:shade val="50000"/>
+            </a:schemeClr>
+          </a:lnRef>
+          <a:fillRef idx="1">
+            <a:schemeClr val="accent1"/>
+          </a:fillRef>
+          <a:effectRef idx="0">
+            <a:schemeClr val="accent1"/>
+          </a:effectRef>
+          <a:fontRef idx="minor">
+            <a:schemeClr val="lt1"/>
+          </a:fontRef>
+        </p:style>
+        <p:txBody>
+          <a:bodyPr rtlCol="0" anchor="ctr"/>
+          <a:lstStyle/>
+          <a:p>
+            <a:pPr marL="0" marR="0" lvl="0" indent="0" algn="l" defTabSz="914400" rtl="0" eaLnBrk="0" fontAlgn="base" latinLnBrk="0" hangingPunct="0">
+              <a:lnSpc>
+                <a:spcPct val="100000"/>
+              </a:lnSpc>
+              <a:spcBef>
+                <a:spcPct val="0"/>
+              </a:spcBef>
+              <a:spcAft>
+                <a:spcPct val="0"/>
+              </a:spcAft>
+              <a:buClrTx/>
+              <a:buSzTx/>
+              <a:buFontTx/>
+              <a:buNone/>
+              <a:tabLst/>
+            </a:pPr>
+            <a:r>
+              <a:rPr kumimoji="0" lang="en-US" altLang="en-US" sz="1000" b="0" i="0" u="none" strike="noStrike" cap="none" normalizeH="0" baseline="0" dirty="0">
+                <a:ln>
+                  <a:noFill/>
+                </a:ln>
+                <a:solidFill>
+                  <a:srgbClr val="000000"/>
+                </a:solidFill>
+                <a:effectLst/>
+                <a:latin typeface="Arial Unicode MS"/>
+                <a:ea typeface="Courier New" panose="02070309020205020404" pitchFamily="49" charset="0"/>
+              </a:rPr>
+              <a:t>2018-01-12T12:13:59+0000 The government says it is looking at banning virtual currency trades. But it isn’t clear whether, or how quickly, it will follow through.</a:t>
+            </a:r>
+            <a:r>
+              <a:rPr kumimoji="0" lang="en-US" altLang="en-US" sz="1000" b="0" i="0" u="none" strike="noStrike" cap="none" normalizeH="0" baseline="0" dirty="0">
+                <a:ln>
+                  <a:noFill/>
+                </a:ln>
+                <a:solidFill>
+                  <a:schemeClr val="tx1"/>
+                </a:solidFill>
+                <a:effectLst/>
+              </a:rPr>
+              <a:t> </a:t>
+            </a:r>
+            <a:endParaRPr kumimoji="0" lang="en-US" altLang="en-US" sz="1000" b="0" i="0" u="none" strike="noStrike" cap="none" normalizeH="0" baseline="0" dirty="0">
+              <a:ln>
+                <a:noFill/>
+              </a:ln>
+              <a:solidFill>
+                <a:schemeClr val="tx1"/>
+              </a:solidFill>
+              <a:effectLst/>
+              <a:latin typeface="Arial" panose="020B0604020202020204" pitchFamily="34" charset="0"/>
+            </a:endParaRPr>
+          </a:p>
+        </p:txBody>
+      </p:sp>
+      <p:sp>
+        <p:nvSpPr>
+          <p:cNvPr id="11" name="Speech Bubble: Rectangle with Corners Rounded 10">
+            <a:extLst>
+              <a:ext uri="{FF2B5EF4-FFF2-40B4-BE49-F238E27FC236}">
+                <a16:creationId xmlns:a16="http://schemas.microsoft.com/office/drawing/2014/main" id="{69940910-7875-4A43-ACD2-071851CB61E7}"/>
+              </a:ext>
+            </a:extLst>
+          </p:cNvPr>
+          <p:cNvSpPr/>
+          <p:nvPr/>
+        </p:nvSpPr>
+        <p:spPr>
+          <a:xfrm>
+            <a:off x="892629" y="2838893"/>
+            <a:ext cx="2339670" cy="941498"/>
+          </a:xfrm>
+          <a:prstGeom prst="wedgeRoundRectCallout">
+            <a:avLst>
+              <a:gd name="adj1" fmla="val 55663"/>
+              <a:gd name="adj2" fmla="val 67124"/>
+              <a:gd name="adj3" fmla="val 16667"/>
+            </a:avLst>
+          </a:prstGeom>
+          <a:solidFill>
+            <a:schemeClr val="accent2">
+              <a:lumMod val="20000"/>
+              <a:lumOff val="80000"/>
+            </a:schemeClr>
+          </a:solidFill>
+        </p:spPr>
+        <p:style>
+          <a:lnRef idx="2">
+            <a:schemeClr val="accent1">
+              <a:shade val="50000"/>
+            </a:schemeClr>
+          </a:lnRef>
+          <a:fillRef idx="1">
+            <a:schemeClr val="accent1"/>
+          </a:fillRef>
+          <a:effectRef idx="0">
+            <a:schemeClr val="accent1"/>
+          </a:effectRef>
+          <a:fontRef idx="minor">
+            <a:schemeClr val="lt1"/>
+          </a:fontRef>
+        </p:style>
+        <p:txBody>
+          <a:bodyPr rtlCol="0" anchor="ctr"/>
+          <a:lstStyle/>
+          <a:p>
+            <a:pPr marL="0" marR="0" lvl="0" indent="0" algn="l" defTabSz="914400" rtl="0" eaLnBrk="0" fontAlgn="base" latinLnBrk="0" hangingPunct="0">
+              <a:lnSpc>
+                <a:spcPct val="100000"/>
+              </a:lnSpc>
+              <a:spcBef>
+                <a:spcPct val="0"/>
+              </a:spcBef>
+              <a:spcAft>
+                <a:spcPct val="0"/>
+              </a:spcAft>
+              <a:buClrTx/>
+              <a:buSzTx/>
+              <a:buFontTx/>
+              <a:buNone/>
+              <a:tabLst/>
+            </a:pPr>
+            <a:r>
+              <a:rPr kumimoji="0" lang="en-US" altLang="en-US" sz="1000" b="0" i="0" u="none" strike="noStrike" cap="none" normalizeH="0" baseline="0" dirty="0">
+                <a:ln>
+                  <a:noFill/>
+                </a:ln>
+                <a:solidFill>
+                  <a:srgbClr val="000000"/>
+                </a:solidFill>
+                <a:effectLst/>
+                <a:latin typeface="Arial Unicode MS"/>
+                <a:ea typeface="Courier New" panose="02070309020205020404" pitchFamily="49" charset="0"/>
+              </a:rPr>
+              <a:t>2017-12-19T10:00:21+0000</a:t>
+            </a:r>
+          </a:p>
+          <a:p>
+            <a:pPr marL="0" marR="0" lvl="0" indent="0" algn="l" defTabSz="914400" rtl="0" eaLnBrk="0" fontAlgn="base" latinLnBrk="0" hangingPunct="0">
+              <a:lnSpc>
+                <a:spcPct val="100000"/>
+              </a:lnSpc>
+              <a:spcBef>
+                <a:spcPct val="0"/>
+              </a:spcBef>
+              <a:spcAft>
+                <a:spcPct val="0"/>
+              </a:spcAft>
+              <a:buClrTx/>
+              <a:buSzTx/>
+              <a:buFontTx/>
+              <a:buNone/>
+              <a:tabLst/>
+            </a:pPr>
+            <a:r>
+              <a:rPr kumimoji="0" lang="en-US" altLang="en-US" sz="1000" b="0" i="0" u="none" strike="noStrike" cap="none" normalizeH="0" baseline="0" dirty="0">
+                <a:ln>
+                  <a:noFill/>
+                </a:ln>
+                <a:solidFill>
+                  <a:srgbClr val="000000"/>
+                </a:solidFill>
+                <a:effectLst/>
+                <a:latin typeface="Arial Unicode MS"/>
+                <a:ea typeface="Courier New" panose="02070309020205020404" pitchFamily="49" charset="0"/>
+              </a:rPr>
+              <a:t>The </a:t>
+            </a:r>
+            <a:r>
+              <a:rPr kumimoji="0" lang="en-US" altLang="en-US" sz="1000" b="0" i="0" u="none" strike="noStrike" cap="none" normalizeH="0" baseline="0" dirty="0" err="1">
+                <a:ln>
+                  <a:noFill/>
+                </a:ln>
+                <a:solidFill>
+                  <a:srgbClr val="000000"/>
+                </a:solidFill>
+                <a:effectLst/>
+                <a:latin typeface="Arial Unicode MS"/>
+                <a:ea typeface="Courier New" panose="02070309020205020404" pitchFamily="49" charset="0"/>
+              </a:rPr>
+              <a:t>Pantera</a:t>
+            </a:r>
+            <a:r>
+              <a:rPr kumimoji="0" lang="en-US" altLang="en-US" sz="1000" b="0" i="0" u="none" strike="noStrike" cap="none" normalizeH="0" baseline="0" dirty="0">
+                <a:ln>
+                  <a:noFill/>
+                </a:ln>
+                <a:solidFill>
+                  <a:srgbClr val="000000"/>
+                </a:solidFill>
+                <a:effectLst/>
+                <a:latin typeface="Arial Unicode MS"/>
+                <a:ea typeface="Courier New" panose="02070309020205020404" pitchFamily="49" charset="0"/>
+              </a:rPr>
+              <a:t> Bitcoin Fund was set up in 2013, when few on Wall Street were interested in cryptocurrencies. It has since ridden the Bitcoin wave to blockbuster returns.</a:t>
+            </a:r>
+            <a:r>
+              <a:rPr kumimoji="0" lang="en-US" altLang="en-US" sz="1000" b="0" i="0" u="none" strike="noStrike" cap="none" normalizeH="0" baseline="0" dirty="0">
+                <a:ln>
+                  <a:noFill/>
+                </a:ln>
+                <a:solidFill>
+                  <a:schemeClr val="tx1"/>
+                </a:solidFill>
+                <a:effectLst/>
+              </a:rPr>
+              <a:t> </a:t>
+            </a:r>
+            <a:endParaRPr kumimoji="0" lang="en-US" altLang="en-US" sz="1000" b="0" i="0" u="none" strike="noStrike" cap="none" normalizeH="0" baseline="0" dirty="0">
+              <a:ln>
+                <a:noFill/>
+              </a:ln>
+              <a:solidFill>
+                <a:schemeClr val="tx1"/>
+              </a:solidFill>
+              <a:effectLst/>
+              <a:latin typeface="Arial" panose="020B0604020202020204" pitchFamily="34" charset="0"/>
+            </a:endParaRPr>
+          </a:p>
+        </p:txBody>
+      </p:sp>
+      <p:sp>
+        <p:nvSpPr>
+          <p:cNvPr id="17" name="Speech Bubble: Rectangle with Corners Rounded 16">
+            <a:extLst>
+              <a:ext uri="{FF2B5EF4-FFF2-40B4-BE49-F238E27FC236}">
+                <a16:creationId xmlns:a16="http://schemas.microsoft.com/office/drawing/2014/main" id="{59E7C398-B19B-4801-A2AF-075642439B2D}"/>
+              </a:ext>
+            </a:extLst>
+          </p:cNvPr>
+          <p:cNvSpPr/>
+          <p:nvPr/>
+        </p:nvSpPr>
+        <p:spPr>
+          <a:xfrm>
+            <a:off x="5812971" y="1062400"/>
+            <a:ext cx="2917371" cy="654146"/>
+          </a:xfrm>
+          <a:prstGeom prst="wedgeRoundRectCallout">
+            <a:avLst>
+              <a:gd name="adj1" fmla="val 100906"/>
+              <a:gd name="adj2" fmla="val -34336"/>
+              <a:gd name="adj3" fmla="val 16667"/>
+            </a:avLst>
+          </a:prstGeom>
+          <a:solidFill>
+            <a:schemeClr val="accent2">
+              <a:lumMod val="20000"/>
+              <a:lumOff val="80000"/>
+            </a:schemeClr>
+          </a:solidFill>
+        </p:spPr>
+        <p:style>
+          <a:lnRef idx="2">
+            <a:schemeClr val="accent1">
+              <a:shade val="50000"/>
+            </a:schemeClr>
+          </a:lnRef>
+          <a:fillRef idx="1">
+            <a:schemeClr val="accent1"/>
+          </a:fillRef>
+          <a:effectRef idx="0">
+            <a:schemeClr val="accent1"/>
+          </a:effectRef>
+          <a:fontRef idx="minor">
+            <a:schemeClr val="lt1"/>
+          </a:fontRef>
+        </p:style>
+        <p:txBody>
+          <a:bodyPr rtlCol="0" anchor="ctr"/>
+          <a:lstStyle/>
+          <a:p>
+            <a:pPr marL="0" marR="0" lvl="0" indent="0" algn="l" defTabSz="914400" rtl="0" eaLnBrk="0" fontAlgn="base" latinLnBrk="0" hangingPunct="0">
+              <a:lnSpc>
+                <a:spcPct val="100000"/>
+              </a:lnSpc>
+              <a:spcBef>
+                <a:spcPct val="0"/>
+              </a:spcBef>
+              <a:spcAft>
+                <a:spcPct val="0"/>
+              </a:spcAft>
+              <a:buClrTx/>
+              <a:buSzTx/>
+              <a:buFontTx/>
+              <a:buNone/>
+              <a:tabLst/>
+            </a:pPr>
+            <a:r>
+              <a:rPr kumimoji="0" lang="en-US" altLang="en-US" sz="1000" b="0" i="0" u="none" strike="noStrike" cap="none" normalizeH="0" baseline="0" dirty="0">
+                <a:ln>
+                  <a:noFill/>
+                </a:ln>
+                <a:solidFill>
+                  <a:srgbClr val="000000"/>
+                </a:solidFill>
+                <a:effectLst/>
+                <a:latin typeface="Arial Unicode MS"/>
+                <a:ea typeface="Courier New" panose="02070309020205020404" pitchFamily="49" charset="0"/>
+              </a:rPr>
+              <a:t>2021-10-25T19:23:13+0000 What does it mean now that cryptocurrency has joined proper society?</a:t>
+            </a:r>
+            <a:r>
+              <a:rPr kumimoji="0" lang="en-US" altLang="en-US" sz="1000" b="0" i="0" u="none" strike="noStrike" cap="none" normalizeH="0" baseline="0" dirty="0">
+                <a:ln>
+                  <a:noFill/>
+                </a:ln>
+                <a:solidFill>
+                  <a:schemeClr val="tx1"/>
+                </a:solidFill>
+                <a:effectLst/>
+              </a:rPr>
+              <a:t> </a:t>
+            </a:r>
+            <a:endParaRPr kumimoji="0" lang="en-US" altLang="en-US" sz="1000" b="0" i="0" u="none" strike="noStrike" cap="none" normalizeH="0" baseline="0" dirty="0">
+              <a:ln>
+                <a:noFill/>
+              </a:ln>
+              <a:solidFill>
+                <a:schemeClr val="tx1"/>
+              </a:solidFill>
+              <a:effectLst/>
+              <a:latin typeface="Arial" panose="020B0604020202020204" pitchFamily="34" charset="0"/>
+            </a:endParaRPr>
+          </a:p>
+        </p:txBody>
+      </p:sp>
+      <p:sp>
+        <p:nvSpPr>
+          <p:cNvPr id="18" name="Rectangle 5">
+            <a:extLst>
+              <a:ext uri="{FF2B5EF4-FFF2-40B4-BE49-F238E27FC236}">
+                <a16:creationId xmlns:a16="http://schemas.microsoft.com/office/drawing/2014/main" id="{AEAA6C21-9DCB-445D-B36F-730DFCEE3EEA}"/>
+              </a:ext>
+            </a:extLst>
+          </p:cNvPr>
+          <p:cNvSpPr>
+            <a:spLocks noChangeArrowheads="1"/>
+          </p:cNvSpPr>
+          <p:nvPr/>
+        </p:nvSpPr>
+        <p:spPr bwMode="auto">
+          <a:xfrm>
+            <a:off x="0" y="205517"/>
+            <a:ext cx="8016" cy="46166"/>
+          </a:xfrm>
+          <a:prstGeom prst="rect">
+            <a:avLst/>
+          </a:prstGeom>
+          <a:solidFill>
+            <a:srgbClr val="FFFFFF"/>
+          </a:solidFill>
+          <a:ln>
+            <a:noFill/>
+          </a:ln>
+          <a:effectLst/>
+          <a:extLst>
+            <a:ext uri="{91240B29-F687-4F45-9708-019B960494DF}">
+              <a14:hiddenLine xmlns:a14="http://schemas.microsoft.com/office/drawing/2010/main" w="9525">
+                <a:solidFill>
+                  <a:schemeClr val="tx1"/>
+                </a:solidFill>
+                <a:miter lim="800000"/>
+                <a:headEnd/>
+                <a:tailEnd/>
+              </a14:hiddenLine>
+            </a:ext>
+            <a:ext uri="{AF507438-7753-43E0-B8FC-AC1667EBCBE1}">
+              <a14:hiddenEffects xmlns:a14="http://schemas.microsoft.com/office/drawing/2010/main">
+                <a:effectLst>
+                  <a:outerShdw dist="35921" dir="2700000" algn="ctr" rotWithShape="0">
+                    <a:schemeClr val="bg2"/>
+                  </a:outerShdw>
+                </a:effectLst>
+              </a14:hiddenEffects>
+            </a:ext>
+          </a:extLst>
+        </p:spPr>
+        <p:txBody>
+          <a:bodyPr vert="horz" wrap="none" lIns="0" tIns="0" rIns="0" bIns="0" numCol="1" anchor="ctr" anchorCtr="0" compatLnSpc="1">
+            <a:prstTxWarp prst="textNoShape">
+              <a:avLst/>
+            </a:prstTxWarp>
+            <a:spAutoFit/>
           </a:bodyPr>
           <a:lstStyle/>
           <a:p>
-            <a:r>
-              <a:rPr lang="en-US" u="sng" dirty="0"/>
-              <a:t>Implications from our findings</a:t>
-            </a:r>
-          </a:p>
-        </p:txBody>
-      </p:sp>
-      <p:sp>
-        <p:nvSpPr>
-          <p:cNvPr id="7" name="TextBox 6">
+            <a:pPr marL="0" marR="0" lvl="0" indent="0" algn="l" defTabSz="914400" rtl="0" eaLnBrk="0" fontAlgn="base" latinLnBrk="0" hangingPunct="0">
+              <a:lnSpc>
+                <a:spcPct val="100000"/>
+              </a:lnSpc>
+              <a:spcBef>
+                <a:spcPct val="0"/>
+              </a:spcBef>
+              <a:spcAft>
+                <a:spcPct val="0"/>
+              </a:spcAft>
+              <a:buClrTx/>
+              <a:buSzTx/>
+              <a:buFontTx/>
+              <a:buNone/>
+              <a:tabLst/>
+            </a:pPr>
+            <a:r>
+              <a:rPr kumimoji="0" lang="en-US" altLang="en-US" sz="300" b="0" i="0" u="none" strike="noStrike" cap="none" normalizeH="0" baseline="0" dirty="0">
+                <a:ln>
+                  <a:noFill/>
+                </a:ln>
+                <a:solidFill>
+                  <a:schemeClr val="tx1"/>
+                </a:solidFill>
+                <a:effectLst/>
+              </a:rPr>
+              <a:t> </a:t>
+            </a:r>
+            <a:endParaRPr kumimoji="0" lang="en-US" altLang="en-US" sz="1800" b="0" i="0" u="none" strike="noStrike" cap="none" normalizeH="0" baseline="0" dirty="0">
+              <a:ln>
+                <a:noFill/>
+              </a:ln>
+              <a:solidFill>
+                <a:schemeClr val="tx1"/>
+              </a:solidFill>
+              <a:effectLst/>
+              <a:latin typeface="Arial" panose="020B0604020202020204" pitchFamily="34" charset="0"/>
+            </a:endParaRPr>
+          </a:p>
+        </p:txBody>
+      </p:sp>
+      <p:sp>
+        <p:nvSpPr>
+          <p:cNvPr id="19" name="Rectangle 6">
             <a:extLst>
               <a:ext uri="{FF2B5EF4-FFF2-40B4-BE49-F238E27FC236}">
-                <a16:creationId xmlns:a16="http://schemas.microsoft.com/office/drawing/2014/main" id="{6682ECF8-CCCC-4426-B3FA-1F7CF386EE44}"/>
+                <a16:creationId xmlns:a16="http://schemas.microsoft.com/office/drawing/2014/main" id="{96E6EEC3-83C3-447F-99EB-63F54C4ECA72}"/>
+              </a:ext>
+            </a:extLst>
+          </p:cNvPr>
+          <p:cNvSpPr>
+            <a:spLocks noChangeArrowheads="1"/>
+          </p:cNvSpPr>
+          <p:nvPr/>
+        </p:nvSpPr>
+        <p:spPr bwMode="auto">
+          <a:xfrm>
+            <a:off x="0" y="90100"/>
+            <a:ext cx="65" cy="276999"/>
+          </a:xfrm>
+          <a:prstGeom prst="rect">
+            <a:avLst/>
+          </a:prstGeom>
+          <a:solidFill>
+            <a:srgbClr val="FFFFFF"/>
+          </a:solidFill>
+          <a:ln>
+            <a:noFill/>
+          </a:ln>
+          <a:effectLst/>
+          <a:extLst>
+            <a:ext uri="{91240B29-F687-4F45-9708-019B960494DF}">
+              <a14:hiddenLine xmlns:a14="http://schemas.microsoft.com/office/drawing/2010/main" w="9525">
+                <a:solidFill>
+                  <a:schemeClr val="tx1"/>
+                </a:solidFill>
+                <a:miter lim="800000"/>
+                <a:headEnd/>
+                <a:tailEnd/>
+              </a14:hiddenLine>
+            </a:ext>
+            <a:ext uri="{AF507438-7753-43E0-B8FC-AC1667EBCBE1}">
+              <a14:hiddenEffects xmlns:a14="http://schemas.microsoft.com/office/drawing/2010/main">
+                <a:effectLst>
+                  <a:outerShdw dist="35921" dir="2700000" algn="ctr" rotWithShape="0">
+                    <a:schemeClr val="bg2"/>
+                  </a:outerShdw>
+                </a:effectLst>
+              </a14:hiddenEffects>
+            </a:ext>
+          </a:extLst>
+        </p:spPr>
+        <p:txBody>
+          <a:bodyPr vert="horz" wrap="none" lIns="0" tIns="0" rIns="0" bIns="0" numCol="1" anchor="ctr" anchorCtr="0" compatLnSpc="1">
+            <a:prstTxWarp prst="textNoShape">
+              <a:avLst/>
+            </a:prstTxWarp>
+            <a:spAutoFit/>
+          </a:bodyPr>
+          <a:lstStyle/>
+          <a:p>
+            <a:pPr marL="0" marR="0" lvl="0" indent="0" algn="l" defTabSz="914400" rtl="0" eaLnBrk="0" fontAlgn="base" latinLnBrk="0" hangingPunct="0">
+              <a:lnSpc>
+                <a:spcPct val="100000"/>
+              </a:lnSpc>
+              <a:spcBef>
+                <a:spcPct val="0"/>
+              </a:spcBef>
+              <a:spcAft>
+                <a:spcPct val="0"/>
+              </a:spcAft>
+              <a:buClrTx/>
+              <a:buSzTx/>
+              <a:buFontTx/>
+              <a:buNone/>
+              <a:tabLst/>
+            </a:pPr>
+            <a:endParaRPr kumimoji="0" lang="en-US" altLang="en-US" sz="1800" b="0" i="0" u="none" strike="noStrike" cap="none" normalizeH="0" baseline="0" dirty="0">
+              <a:ln>
+                <a:noFill/>
+              </a:ln>
+              <a:solidFill>
+                <a:schemeClr val="tx1"/>
+              </a:solidFill>
+              <a:effectLst/>
+              <a:latin typeface="Arial" panose="020B0604020202020204" pitchFamily="34" charset="0"/>
+            </a:endParaRPr>
+          </a:p>
+        </p:txBody>
+      </p:sp>
+      <p:sp>
+        <p:nvSpPr>
+          <p:cNvPr id="20" name="Speech Bubble: Rectangle with Corners Rounded 19">
+            <a:extLst>
+              <a:ext uri="{FF2B5EF4-FFF2-40B4-BE49-F238E27FC236}">
+                <a16:creationId xmlns:a16="http://schemas.microsoft.com/office/drawing/2014/main" id="{D6286E18-88CB-4CEE-BB71-C22D2F83DEB0}"/>
+              </a:ext>
+            </a:extLst>
+          </p:cNvPr>
+          <p:cNvSpPr/>
+          <p:nvPr/>
+        </p:nvSpPr>
+        <p:spPr>
+          <a:xfrm>
+            <a:off x="1205531" y="5733105"/>
+            <a:ext cx="2576623" cy="855283"/>
+          </a:xfrm>
+          <a:prstGeom prst="wedgeRoundRectCallout">
+            <a:avLst>
+              <a:gd name="adj1" fmla="val -35977"/>
+              <a:gd name="adj2" fmla="val -94282"/>
+              <a:gd name="adj3" fmla="val 16667"/>
+            </a:avLst>
+          </a:prstGeom>
+          <a:solidFill>
+            <a:schemeClr val="accent2">
+              <a:lumMod val="20000"/>
+              <a:lumOff val="80000"/>
+            </a:schemeClr>
+          </a:solidFill>
+        </p:spPr>
+        <p:style>
+          <a:lnRef idx="2">
+            <a:schemeClr val="accent1">
+              <a:shade val="50000"/>
+            </a:schemeClr>
+          </a:lnRef>
+          <a:fillRef idx="1">
+            <a:schemeClr val="accent1"/>
+          </a:fillRef>
+          <a:effectRef idx="0">
+            <a:schemeClr val="accent1"/>
+          </a:effectRef>
+          <a:fontRef idx="minor">
+            <a:schemeClr val="lt1"/>
+          </a:fontRef>
+        </p:style>
+        <p:txBody>
+          <a:bodyPr rtlCol="0" anchor="ctr"/>
+          <a:lstStyle/>
+          <a:p>
+            <a:pPr marL="0" marR="0" lvl="0" indent="0" algn="l" defTabSz="914400" rtl="0" eaLnBrk="0" fontAlgn="base" latinLnBrk="0" hangingPunct="0">
+              <a:lnSpc>
+                <a:spcPct val="100000"/>
+              </a:lnSpc>
+              <a:spcBef>
+                <a:spcPct val="0"/>
+              </a:spcBef>
+              <a:spcAft>
+                <a:spcPct val="0"/>
+              </a:spcAft>
+              <a:buClrTx/>
+              <a:buSzTx/>
+              <a:buFontTx/>
+              <a:buNone/>
+              <a:tabLst/>
+            </a:pPr>
+            <a:r>
+              <a:rPr kumimoji="0" lang="en-US" altLang="en-US" sz="1000" b="0" i="0" u="none" strike="noStrike" cap="none" normalizeH="0" baseline="0" dirty="0">
+                <a:ln>
+                  <a:noFill/>
+                </a:ln>
+                <a:solidFill>
+                  <a:srgbClr val="000000"/>
+                </a:solidFill>
+                <a:effectLst/>
+                <a:latin typeface="Arial Unicode MS"/>
+                <a:ea typeface="Courier New" panose="02070309020205020404" pitchFamily="49" charset="0"/>
+              </a:rPr>
+              <a:t>2016-11-09T11:02:35+0000</a:t>
+            </a:r>
+          </a:p>
+          <a:p>
+            <a:pPr marL="0" marR="0" lvl="0" indent="0" algn="l" defTabSz="914400" rtl="0" eaLnBrk="0" fontAlgn="base" latinLnBrk="0" hangingPunct="0">
+              <a:lnSpc>
+                <a:spcPct val="100000"/>
+              </a:lnSpc>
+              <a:spcBef>
+                <a:spcPct val="0"/>
+              </a:spcBef>
+              <a:spcAft>
+                <a:spcPct val="0"/>
+              </a:spcAft>
+              <a:buClrTx/>
+              <a:buSzTx/>
+              <a:buFontTx/>
+              <a:buNone/>
+              <a:tabLst/>
+            </a:pPr>
+            <a:r>
+              <a:rPr kumimoji="0" lang="en-US" altLang="en-US" sz="1000" b="0" i="0" u="none" strike="noStrike" cap="none" normalizeH="0" baseline="0" dirty="0">
+                <a:ln>
+                  <a:noFill/>
+                </a:ln>
+                <a:solidFill>
+                  <a:srgbClr val="000000"/>
+                </a:solidFill>
+                <a:effectLst/>
+                <a:latin typeface="Arial Unicode MS"/>
+                <a:ea typeface="Courier New" panose="02070309020205020404" pitchFamily="49" charset="0"/>
+              </a:rPr>
+              <a:t>The uncertainty created by the result has propped up gold and the yen, both safe haven assets.</a:t>
+            </a:r>
+            <a:endParaRPr kumimoji="0" lang="en-US" altLang="en-US" sz="1000" b="0" i="0" u="none" strike="noStrike" cap="none" normalizeH="0" baseline="0" dirty="0">
+              <a:ln>
+                <a:noFill/>
+              </a:ln>
+              <a:solidFill>
+                <a:schemeClr val="tx1"/>
+              </a:solidFill>
+              <a:effectLst/>
+              <a:latin typeface="Arial" panose="020B0604020202020204" pitchFamily="34" charset="0"/>
+            </a:endParaRPr>
+          </a:p>
+        </p:txBody>
+      </p:sp>
+      <p:sp>
+        <p:nvSpPr>
+          <p:cNvPr id="22" name="TextBox 21">
+            <a:extLst>
+              <a:ext uri="{FF2B5EF4-FFF2-40B4-BE49-F238E27FC236}">
+                <a16:creationId xmlns:a16="http://schemas.microsoft.com/office/drawing/2014/main" id="{19AC7039-6432-466E-8FE6-5D7ADC179AE3}"/>
               </a:ext>
             </a:extLst>
           </p:cNvPr>
@@ -9442,8 +11280,8 @@
         </p:nvSpPr>
         <p:spPr>
           <a:xfrm>
-            <a:off x="795647" y="1582059"/>
-            <a:ext cx="10438410" cy="1938992"/>
+            <a:off x="401379" y="302683"/>
+            <a:ext cx="8721356" cy="584775"/>
           </a:xfrm>
           <a:prstGeom prst="rect">
             <a:avLst/>
@@ -9451,167 +11289,34 @@
           <a:noFill/>
         </p:spPr>
         <p:txBody>
-          <a:bodyPr wrap="square" rtlCol="0">
+          <a:bodyPr wrap="square">
             <a:spAutoFit/>
           </a:bodyPr>
           <a:lstStyle/>
           <a:p>
-            <a:pPr marL="285750" indent="-285750">
-              <a:buFont typeface="Arial" panose="020B0604020202020204" pitchFamily="34" charset="0"/>
-              <a:buChar char="•"/>
-            </a:pPr>
-            <a:r>
-              <a:rPr lang="en-US" sz="2400" dirty="0"/>
-              <a:t>Nvidia stock price and Bitcoin price – strong correlation, r=.85</a:t>
-            </a:r>
-          </a:p>
-          <a:p>
-            <a:pPr marL="285750" indent="-285750">
-              <a:buFont typeface="Arial" panose="020B0604020202020204" pitchFamily="34" charset="0"/>
-              <a:buChar char="•"/>
-            </a:pPr>
-            <a:r>
-              <a:rPr lang="en-US" sz="2400" dirty="0"/>
-              <a:t>Gas Price – </a:t>
-            </a:r>
-          </a:p>
-          <a:p>
-            <a:pPr marL="285750" indent="-285750">
-              <a:buFont typeface="Arial" panose="020B0604020202020204" pitchFamily="34" charset="0"/>
-              <a:buChar char="•"/>
-            </a:pPr>
-            <a:r>
-              <a:rPr lang="en-US" sz="2400" dirty="0"/>
-              <a:t>Temperatures at Crypto Mining Centers – there is a weak correlation to rising Bitcoin prices and temperatures at major Bitcoin mining centers</a:t>
-            </a:r>
-          </a:p>
-          <a:p>
-            <a:pPr marL="285750" indent="-285750">
-              <a:buFont typeface="Arial" panose="020B0604020202020204" pitchFamily="34" charset="0"/>
-              <a:buChar char="•"/>
-            </a:pPr>
-            <a:endParaRPr lang="en-US" sz="2400" dirty="0"/>
-          </a:p>
-        </p:txBody>
-      </p:sp>
-      <p:sp>
-        <p:nvSpPr>
-          <p:cNvPr id="8" name="Title 1">
+            <a:r>
+              <a:rPr lang="en-US" sz="1800" b="1" u="sng" dirty="0"/>
+              <a:t>How </a:t>
+            </a:r>
+            <a:r>
+              <a:rPr lang="en-US" b="1" u="sng" dirty="0"/>
+              <a:t>does news article affects Bitcoin price</a:t>
+            </a:r>
+          </a:p>
+          <a:p>
+            <a:r>
+              <a:rPr lang="en-US" sz="1400" i="1" dirty="0"/>
+              <a:t>Resources : NY Times API</a:t>
+            </a:r>
+          </a:p>
+        </p:txBody>
+      </p:sp>
+      <p:sp>
+        <p:nvSpPr>
+          <p:cNvPr id="24" name="TextBox 23">
             <a:extLst>
               <a:ext uri="{FF2B5EF4-FFF2-40B4-BE49-F238E27FC236}">
-                <a16:creationId xmlns:a16="http://schemas.microsoft.com/office/drawing/2014/main" id="{A7348BB2-D70B-4D4C-85FC-04C54AC037D6}"/>
-              </a:ext>
-            </a:extLst>
-          </p:cNvPr>
-          <p:cNvSpPr txBox="1">
-            <a:spLocks/>
-          </p:cNvSpPr>
-          <p:nvPr/>
-        </p:nvSpPr>
-        <p:spPr>
-          <a:xfrm>
-            <a:off x="685800" y="3522538"/>
-            <a:ext cx="10131425" cy="1108840"/>
-          </a:xfrm>
-          <a:prstGeom prst="rect">
-            <a:avLst/>
-          </a:prstGeom>
-          <a:effectLst/>
-        </p:spPr>
-        <p:txBody>
-          <a:bodyPr vert="horz" lIns="91440" tIns="45720" rIns="91440" bIns="45720" rtlCol="0" anchor="ctr">
-            <a:normAutofit/>
-          </a:bodyPr>
-          <a:lstStyle>
-            <a:lvl1pPr algn="l" defTabSz="457200" rtl="0" eaLnBrk="1" latinLnBrk="0" hangingPunct="1">
-              <a:spcBef>
-                <a:spcPct val="0"/>
-              </a:spcBef>
-              <a:buNone/>
-              <a:defRPr sz="3600" kern="1200" cap="all">
-                <a:ln w="3175" cmpd="sng">
-                  <a:noFill/>
-                </a:ln>
-                <a:solidFill>
-                  <a:schemeClr val="tx1"/>
-                </a:solidFill>
-                <a:effectLst/>
-                <a:latin typeface="+mj-lt"/>
-                <a:ea typeface="+mj-ea"/>
-                <a:cs typeface="+mj-cs"/>
-              </a:defRPr>
-            </a:lvl1pPr>
-            <a:lvl2pPr eaLnBrk="1" hangingPunct="1">
-              <a:defRPr>
-                <a:solidFill>
-                  <a:schemeClr val="tx2"/>
-                </a:solidFill>
-              </a:defRPr>
-            </a:lvl2pPr>
-            <a:lvl3pPr eaLnBrk="1" hangingPunct="1">
-              <a:defRPr>
-                <a:solidFill>
-                  <a:schemeClr val="tx2"/>
-                </a:solidFill>
-              </a:defRPr>
-            </a:lvl3pPr>
-            <a:lvl4pPr eaLnBrk="1" hangingPunct="1">
-              <a:defRPr>
-                <a:solidFill>
-                  <a:schemeClr val="tx2"/>
-                </a:solidFill>
-              </a:defRPr>
-            </a:lvl4pPr>
-            <a:lvl5pPr eaLnBrk="1" hangingPunct="1">
-              <a:defRPr>
-                <a:solidFill>
-                  <a:schemeClr val="tx2"/>
-                </a:solidFill>
-              </a:defRPr>
-            </a:lvl5pPr>
-            <a:lvl6pPr eaLnBrk="1" hangingPunct="1">
-              <a:defRPr>
-                <a:solidFill>
-                  <a:schemeClr val="tx2"/>
-                </a:solidFill>
-              </a:defRPr>
-            </a:lvl6pPr>
-            <a:lvl7pPr eaLnBrk="1" hangingPunct="1">
-              <a:defRPr>
-                <a:solidFill>
-                  <a:schemeClr val="tx2"/>
-                </a:solidFill>
-              </a:defRPr>
-            </a:lvl7pPr>
-            <a:lvl8pPr eaLnBrk="1" hangingPunct="1">
-              <a:defRPr>
-                <a:solidFill>
-                  <a:schemeClr val="tx2"/>
-                </a:solidFill>
-              </a:defRPr>
-            </a:lvl8pPr>
-            <a:lvl9pPr eaLnBrk="1" hangingPunct="1">
-              <a:defRPr>
-                <a:solidFill>
-                  <a:schemeClr val="tx2"/>
-                </a:solidFill>
-              </a:defRPr>
-            </a:lvl9pPr>
-          </a:lstStyle>
-          <a:p>
-            <a:r>
-              <a:rPr lang="en-US" u="sng" dirty="0"/>
-              <a:t>What we learned</a:t>
-            </a:r>
-          </a:p>
-        </p:txBody>
-      </p:sp>
-      <p:sp>
-        <p:nvSpPr>
-          <p:cNvPr id="9" name="TextBox 8">
-            <a:extLst>
-              <a:ext uri="{FF2B5EF4-FFF2-40B4-BE49-F238E27FC236}">
-                <a16:creationId xmlns:a16="http://schemas.microsoft.com/office/drawing/2014/main" id="{7920D4A6-EDCA-43D6-9AE8-01DDCB99A949}"/>
+                <a16:creationId xmlns:a16="http://schemas.microsoft.com/office/drawing/2014/main" id="{C5A0D831-C1F7-4CD6-B4B1-9742FA655CE3}"/>
               </a:ext>
             </a:extLst>
           </p:cNvPr>
@@ -9620,8 +11325,8 @@
         </p:nvSpPr>
         <p:spPr>
           <a:xfrm>
-            <a:off x="795647" y="4498769"/>
-            <a:ext cx="10438410" cy="1200329"/>
+            <a:off x="4234543" y="5932714"/>
+            <a:ext cx="7123687" cy="646331"/>
           </a:xfrm>
           <a:prstGeom prst="rect">
             <a:avLst/>
@@ -9629,43 +11334,31 @@
           <a:noFill/>
         </p:spPr>
         <p:txBody>
-          <a:bodyPr wrap="square" rtlCol="0">
+          <a:bodyPr wrap="square">
             <a:spAutoFit/>
           </a:bodyPr>
           <a:lstStyle/>
           <a:p>
-            <a:pPr marL="285750" indent="-285750">
-              <a:buFont typeface="Arial" panose="020B0604020202020204" pitchFamily="34" charset="0"/>
-              <a:buChar char="•"/>
-            </a:pPr>
-            <a:r>
-              <a:rPr lang="en-US" sz="2400" dirty="0"/>
-              <a:t>Cleaning data can take longer than expected</a:t>
-            </a:r>
-          </a:p>
-          <a:p>
-            <a:pPr marL="285750" indent="-285750">
-              <a:buFont typeface="Arial" panose="020B0604020202020204" pitchFamily="34" charset="0"/>
-              <a:buChar char="•"/>
-            </a:pPr>
-            <a:r>
-              <a:rPr lang="en-US" sz="2400" dirty="0"/>
-              <a:t>Formatting dates to be merged is difficult</a:t>
-            </a:r>
-          </a:p>
-          <a:p>
-            <a:pPr marL="285750" indent="-285750">
-              <a:buFont typeface="Arial" panose="020B0604020202020204" pitchFamily="34" charset="0"/>
-              <a:buChar char="•"/>
-            </a:pPr>
-            <a:endParaRPr lang="en-US" sz="2400" dirty="0"/>
+            <a:r>
+              <a:rPr lang="en-US" b="1" i="1" dirty="0"/>
+              <a:t>Searching for articles </a:t>
+            </a:r>
+            <a:r>
+              <a:rPr lang="en-US" b="1" i="1" dirty="0" err="1"/>
+              <a:t>relavent</a:t>
+            </a:r>
+            <a:r>
+              <a:rPr lang="en-US" b="1" i="1" dirty="0"/>
+              <a:t> to “Bitcoin” during max/min price points from 2016  - current year</a:t>
+            </a:r>
+            <a:endParaRPr lang="en-US" i="1" dirty="0"/>
           </a:p>
         </p:txBody>
       </p:sp>
     </p:spTree>
     <p:extLst>
       <p:ext uri="{BB962C8B-B14F-4D97-AF65-F5344CB8AC3E}">
-        <p14:creationId xmlns:p14="http://schemas.microsoft.com/office/powerpoint/2010/main" val="266635141"/>
+        <p14:creationId xmlns:p14="http://schemas.microsoft.com/office/powerpoint/2010/main" val="1850017182"/>
       </p:ext>
     </p:extLst>
   </p:cSld>

--- a/PPT Crypto Trend Group Project.pptx
+++ b/PPT Crypto Trend Group Project.pptx
@@ -8065,13 +8065,7 @@
               <a:rPr lang="en-US" sz="1700" dirty="0">
                 <a:hlinkClick r:id="rId2"/>
               </a:rPr>
-              <a:t>ht</a:t>
-            </a:r>
-            <a:r>
-              <a:rPr lang="en-US" sz="1700" dirty="0">
-                <a:hlinkClick r:id="rId2"/>
-              </a:rPr>
-              <a:t>tps://www.worldweatheronline.com/</a:t>
+              <a:t>https://www.worldweatheronline.com/</a:t>
             </a:r>
             <a:r>
               <a:rPr lang="en-US" sz="1700" dirty="0"/>
@@ -8158,13 +8152,7 @@
               <a:rPr lang="en-US" sz="1700" u="sng" dirty="0">
                 <a:hlinkClick r:id="rId6"/>
               </a:rPr>
-              <a:t> </a:t>
-            </a:r>
-            <a:r>
-              <a:rPr lang="en-US" sz="1700" u="sng" dirty="0">
-                <a:hlinkClick r:id="rId6"/>
-              </a:rPr>
-              <a:t>https://www.kaggle.com/kaushiksuresh147/bitcoin-tweets</a:t>
+              <a:t> https://www.kaggle.com/kaushiksuresh147/bitcoin-tweets</a:t>
             </a:r>
             <a:endParaRPr lang="en-US" sz="1700" u="sng" dirty="0"/>
           </a:p>
@@ -9176,38 +9164,8 @@
         </p:blipFill>
         <p:spPr>
           <a:xfrm>
-            <a:off x="438198" y="1728304"/>
+            <a:off x="2543289" y="1169504"/>
             <a:ext cx="7105422" cy="4100703"/>
-          </a:xfrm>
-          <a:prstGeom prst="rect">
-            <a:avLst/>
-          </a:prstGeom>
-        </p:spPr>
-      </p:pic>
-      <p:pic>
-        <p:nvPicPr>
-          <p:cNvPr id="12" name="Picture 11">
-            <a:extLst>
-              <a:ext uri="{FF2B5EF4-FFF2-40B4-BE49-F238E27FC236}">
-                <a16:creationId xmlns:a16="http://schemas.microsoft.com/office/drawing/2014/main" id="{BB4D5CE8-EB3B-432C-889E-9F92C2701BD4}"/>
-              </a:ext>
-            </a:extLst>
-          </p:cNvPr>
-          <p:cNvPicPr>
-            <a:picLocks noChangeAspect="1"/>
-          </p:cNvPicPr>
-          <p:nvPr/>
-        </p:nvPicPr>
-        <p:blipFill>
-          <a:blip r:embed="rId4"/>
-          <a:stretch>
-            <a:fillRect/>
-          </a:stretch>
-        </p:blipFill>
-        <p:spPr>
-          <a:xfrm>
-            <a:off x="7772652" y="861237"/>
-            <a:ext cx="4176247" cy="5834838"/>
           </a:xfrm>
           <a:prstGeom prst="rect">
             <a:avLst/>
@@ -11341,15 +11299,7 @@
           <a:p>
             <a:r>
               <a:rPr lang="en-US" b="1" i="1" dirty="0"/>
-              <a:t>Searching for articles </a:t>
-            </a:r>
-            <a:r>
-              <a:rPr lang="en-US" b="1" i="1" dirty="0" err="1"/>
-              <a:t>relavent</a:t>
-            </a:r>
-            <a:r>
-              <a:rPr lang="en-US" b="1" i="1" dirty="0"/>
-              <a:t> to “Bitcoin” during max/min price points from 2016  - current year</a:t>
+              <a:t>Searching for articles relevant to “Bitcoin” during max/min price points from 2016  - current year</a:t>
             </a:r>
             <a:endParaRPr lang="en-US" i="1" dirty="0"/>
           </a:p>

--- a/PPT Crypto Trend Group Project.pptx
+++ b/PPT Crypto Trend Group Project.pptx
@@ -1513,11 +1513,7 @@
             </a:r>
             <a:r>
               <a:rPr lang="en-US" dirty="0"/>
-              <a:t> </a:t>
-            </a:r>
-            <a:r>
-              <a:rPr lang="en-US"/>
-              <a:t>notebook outcome</a:t>
+              <a:t> notebook outcome</a:t>
             </a:r>
           </a:p>
         </p:txBody>
@@ -7465,12 +7461,8 @@
           <a:lstStyle/>
           <a:p>
             <a:r>
-              <a:rPr lang="en-US" sz="1800" b="1" u="sng" dirty="0"/>
-              <a:t>How </a:t>
-            </a:r>
-            <a:r>
               <a:rPr lang="en-US" b="1" u="sng" dirty="0"/>
-              <a:t>does news article affects Bitcoin price (</a:t>
+              <a:t>Bitcoin price vs NYTimes (</a:t>
             </a:r>
             <a:r>
               <a:rPr lang="en-US" b="1" u="sng" dirty="0" err="1"/>
@@ -7538,8 +7530,8 @@
         </p:nvSpPr>
         <p:spPr>
           <a:xfrm>
-            <a:off x="685801" y="422930"/>
-            <a:ext cx="10131425" cy="1456267"/>
+            <a:off x="685801" y="320738"/>
+            <a:ext cx="6984999" cy="834168"/>
           </a:xfrm>
         </p:spPr>
         <p:txBody>
@@ -7569,8 +7561,8 @@
         </p:nvSpPr>
         <p:spPr>
           <a:xfrm>
-            <a:off x="795647" y="1582059"/>
-            <a:ext cx="10438410" cy="1938992"/>
+            <a:off x="744847" y="1226459"/>
+            <a:ext cx="10438410" cy="2677656"/>
           </a:xfrm>
           <a:prstGeom prst="rect">
             <a:avLst/>
@@ -7622,174 +7614,17 @@
               <a:buFont typeface="Arial" panose="020B0604020202020204" pitchFamily="34" charset="0"/>
               <a:buChar char="•"/>
             </a:pPr>
+            <a:r>
+              <a:rPr lang="en-US" sz="2400" dirty="0"/>
+              <a:t>NYT – there was an article on </a:t>
+            </a:r>
+            <a:r>
+              <a:rPr lang="en-US" altLang="en-US" sz="2400" dirty="0"/>
+              <a:t>2018-01-12 which highlights possible government restriction and the price drop has been observed.</a:t>
+            </a:r>
             <a:endParaRPr lang="en-US" sz="2400" dirty="0"/>
           </a:p>
-        </p:txBody>
-      </p:sp>
-      <p:sp>
-        <p:nvSpPr>
-          <p:cNvPr id="8" name="Title 1">
-            <a:extLst>
-              <a:ext uri="{FF2B5EF4-FFF2-40B4-BE49-F238E27FC236}">
-                <a16:creationId xmlns:a16="http://schemas.microsoft.com/office/drawing/2014/main" id="{A7348BB2-D70B-4D4C-85FC-04C54AC037D6}"/>
-              </a:ext>
-            </a:extLst>
-          </p:cNvPr>
-          <p:cNvSpPr txBox="1">
-            <a:spLocks/>
-          </p:cNvSpPr>
-          <p:nvPr/>
-        </p:nvSpPr>
-        <p:spPr>
-          <a:xfrm>
-            <a:off x="685800" y="3522538"/>
-            <a:ext cx="10131425" cy="1108840"/>
-          </a:xfrm>
-          <a:prstGeom prst="rect">
-            <a:avLst/>
-          </a:prstGeom>
-          <a:effectLst/>
-        </p:spPr>
-        <p:txBody>
-          <a:bodyPr vert="horz" lIns="91440" tIns="45720" rIns="91440" bIns="45720" rtlCol="0" anchor="ctr">
-            <a:normAutofit/>
-          </a:bodyPr>
-          <a:lstStyle>
-            <a:lvl1pPr algn="l" defTabSz="457200" rtl="0" eaLnBrk="1" latinLnBrk="0" hangingPunct="1">
-              <a:spcBef>
-                <a:spcPct val="0"/>
-              </a:spcBef>
-              <a:buNone/>
-              <a:defRPr sz="3600" kern="1200" cap="all">
-                <a:ln w="3175" cmpd="sng">
-                  <a:noFill/>
-                </a:ln>
-                <a:solidFill>
-                  <a:schemeClr val="tx1"/>
-                </a:solidFill>
-                <a:effectLst/>
-                <a:latin typeface="+mj-lt"/>
-                <a:ea typeface="+mj-ea"/>
-                <a:cs typeface="+mj-cs"/>
-              </a:defRPr>
-            </a:lvl1pPr>
-            <a:lvl2pPr eaLnBrk="1" hangingPunct="1">
-              <a:defRPr>
-                <a:solidFill>
-                  <a:schemeClr val="tx2"/>
-                </a:solidFill>
-              </a:defRPr>
-            </a:lvl2pPr>
-            <a:lvl3pPr eaLnBrk="1" hangingPunct="1">
-              <a:defRPr>
-                <a:solidFill>
-                  <a:schemeClr val="tx2"/>
-                </a:solidFill>
-              </a:defRPr>
-            </a:lvl3pPr>
-            <a:lvl4pPr eaLnBrk="1" hangingPunct="1">
-              <a:defRPr>
-                <a:solidFill>
-                  <a:schemeClr val="tx2"/>
-                </a:solidFill>
-              </a:defRPr>
-            </a:lvl4pPr>
-            <a:lvl5pPr eaLnBrk="1" hangingPunct="1">
-              <a:defRPr>
-                <a:solidFill>
-                  <a:schemeClr val="tx2"/>
-                </a:solidFill>
-              </a:defRPr>
-            </a:lvl5pPr>
-            <a:lvl6pPr eaLnBrk="1" hangingPunct="1">
-              <a:defRPr>
-                <a:solidFill>
-                  <a:schemeClr val="tx2"/>
-                </a:solidFill>
-              </a:defRPr>
-            </a:lvl6pPr>
-            <a:lvl7pPr eaLnBrk="1" hangingPunct="1">
-              <a:defRPr>
-                <a:solidFill>
-                  <a:schemeClr val="tx2"/>
-                </a:solidFill>
-              </a:defRPr>
-            </a:lvl7pPr>
-            <a:lvl8pPr eaLnBrk="1" hangingPunct="1">
-              <a:defRPr>
-                <a:solidFill>
-                  <a:schemeClr val="tx2"/>
-                </a:solidFill>
-              </a:defRPr>
-            </a:lvl8pPr>
-            <a:lvl9pPr eaLnBrk="1" hangingPunct="1">
-              <a:defRPr>
-                <a:solidFill>
-                  <a:schemeClr val="tx2"/>
-                </a:solidFill>
-              </a:defRPr>
-            </a:lvl9pPr>
-          </a:lstStyle>
-          <a:p>
-            <a:r>
-              <a:rPr lang="en-US" u="sng" dirty="0"/>
-              <a:t>What we learned</a:t>
-            </a:r>
-          </a:p>
-        </p:txBody>
-      </p:sp>
-      <p:sp>
-        <p:nvSpPr>
-          <p:cNvPr id="9" name="TextBox 8">
-            <a:extLst>
-              <a:ext uri="{FF2B5EF4-FFF2-40B4-BE49-F238E27FC236}">
-                <a16:creationId xmlns:a16="http://schemas.microsoft.com/office/drawing/2014/main" id="{7920D4A6-EDCA-43D6-9AE8-01DDCB99A949}"/>
-              </a:ext>
-            </a:extLst>
-          </p:cNvPr>
-          <p:cNvSpPr txBox="1"/>
-          <p:nvPr/>
-        </p:nvSpPr>
-        <p:spPr>
-          <a:xfrm>
-            <a:off x="795647" y="4498769"/>
-            <a:ext cx="10438410" cy="1200329"/>
-          </a:xfrm>
-          <a:prstGeom prst="rect">
-            <a:avLst/>
-          </a:prstGeom>
-          <a:noFill/>
-        </p:spPr>
-        <p:txBody>
-          <a:bodyPr wrap="square" rtlCol="0">
-            <a:spAutoFit/>
-          </a:bodyPr>
-          <a:lstStyle/>
-          <a:p>
-            <a:pPr marL="285750" indent="-285750">
-              <a:buFont typeface="Arial" panose="020B0604020202020204" pitchFamily="34" charset="0"/>
-              <a:buChar char="•"/>
-            </a:pPr>
-            <a:r>
-              <a:rPr lang="en-US" sz="2400" dirty="0"/>
-              <a:t>Cleaning data can take longer than expected</a:t>
-            </a:r>
-          </a:p>
-          <a:p>
-            <a:pPr marL="285750" indent="-285750">
-              <a:buFont typeface="Arial" panose="020B0604020202020204" pitchFamily="34" charset="0"/>
-              <a:buChar char="•"/>
-            </a:pPr>
-            <a:r>
-              <a:rPr lang="en-US" sz="2400" dirty="0"/>
-              <a:t>Formatting dates to be merged is difficult</a:t>
-            </a:r>
-          </a:p>
-          <a:p>
-            <a:pPr marL="285750" indent="-285750">
-              <a:buFont typeface="Arial" panose="020B0604020202020204" pitchFamily="34" charset="0"/>
-              <a:buChar char="•"/>
-            </a:pPr>
+          <a:p>
             <a:endParaRPr lang="en-US" sz="2400" dirty="0"/>
           </a:p>
         </p:txBody>
@@ -10555,7 +10390,7 @@
             </a:avLst>
           </a:prstGeom>
           <a:solidFill>
-            <a:schemeClr val="accent2">
+            <a:schemeClr val="accent5">
               <a:lumMod val="20000"/>
               <a:lumOff val="80000"/>
             </a:schemeClr>
@@ -11253,12 +11088,8 @@
           <a:lstStyle/>
           <a:p>
             <a:r>
-              <a:rPr lang="en-US" sz="1800" b="1" u="sng" dirty="0"/>
-              <a:t>How </a:t>
-            </a:r>
-            <a:r>
               <a:rPr lang="en-US" b="1" u="sng" dirty="0"/>
-              <a:t>does news article affects Bitcoin price</a:t>
+              <a:t>Bitcoin price vs NYTimes </a:t>
             </a:r>
           </a:p>
           <a:p>
